--- a/isManagement/week-2/IS3S661_Week02.pptx
+++ b/isManagement/week-2/IS3S661_Week02.pptx
@@ -343,7 +343,7 @@
           </a:lstStyle>
           <a:p>
             <a:r>
-              <a:rPr lang="en-US" smtClean="0"/>
+              <a:rPr lang="en-US"/>
               <a:t>Click to edit Master title style</a:t>
             </a:r>
             <a:endParaRPr lang="en-US" dirty="0"/>
@@ -462,7 +462,7 @@
           </a:lstStyle>
           <a:p>
             <a:r>
-              <a:rPr lang="en-US" smtClean="0"/>
+              <a:rPr lang="en-US"/>
               <a:t>Click to edit Master subtitle style</a:t>
             </a:r>
             <a:endParaRPr lang="en-US" dirty="0"/>
@@ -496,7 +496,7 @@
               <a:pPr>
                 <a:defRPr/>
               </a:pPr>
-              <a:t>01/10/2019</a:t>
+              <a:t>22/10/2019</a:t>
             </a:fld>
             <a:endParaRPr lang="en-GB"/>
           </a:p>
@@ -602,7 +602,7 @@
           <a:lstStyle/>
           <a:p>
             <a:r>
-              <a:rPr lang="en-US" smtClean="0"/>
+              <a:rPr lang="en-US"/>
               <a:t>Click to edit Master title style</a:t>
             </a:r>
             <a:endParaRPr lang="en-US" dirty="0"/>
@@ -631,38 +631,37 @@
           <a:p>
             <a:pPr lvl="0"/>
             <a:r>
-              <a:rPr lang="en-US" smtClean="0"/>
+              <a:rPr lang="en-US"/>
               <a:t>Click to edit Master text styles</a:t>
             </a:r>
           </a:p>
           <a:p>
             <a:pPr lvl="1"/>
             <a:r>
-              <a:rPr lang="en-US" smtClean="0"/>
+              <a:rPr lang="en-US"/>
               <a:t>Second level</a:t>
             </a:r>
           </a:p>
           <a:p>
             <a:pPr lvl="2"/>
             <a:r>
-              <a:rPr lang="en-US" smtClean="0"/>
+              <a:rPr lang="en-US"/>
               <a:t>Third level</a:t>
             </a:r>
           </a:p>
           <a:p>
             <a:pPr lvl="3"/>
             <a:r>
-              <a:rPr lang="en-US" smtClean="0"/>
+              <a:rPr lang="en-US"/>
               <a:t>Fourth level</a:t>
             </a:r>
           </a:p>
           <a:p>
             <a:pPr lvl="4"/>
             <a:r>
-              <a:rPr lang="en-US" smtClean="0"/>
+              <a:rPr lang="en-US"/>
               <a:t>Fifth level</a:t>
             </a:r>
-            <a:endParaRPr lang="en-US"/>
           </a:p>
         </p:txBody>
       </p:sp>
@@ -693,7 +692,7 @@
               <a:pPr>
                 <a:defRPr/>
               </a:pPr>
-              <a:t>01/10/2019</a:t>
+              <a:t>22/10/2019</a:t>
             </a:fld>
             <a:endParaRPr lang="en-GB"/>
           </a:p>
@@ -804,7 +803,7 @@
           <a:lstStyle/>
           <a:p>
             <a:r>
-              <a:rPr lang="en-US" smtClean="0"/>
+              <a:rPr lang="en-US"/>
               <a:t>Click to edit Master title style</a:t>
             </a:r>
             <a:endParaRPr lang="en-US" dirty="0"/>
@@ -833,38 +832,37 @@
           <a:p>
             <a:pPr lvl="0"/>
             <a:r>
-              <a:rPr lang="en-US" smtClean="0"/>
+              <a:rPr lang="en-US"/>
               <a:t>Click to edit Master text styles</a:t>
             </a:r>
           </a:p>
           <a:p>
             <a:pPr lvl="1"/>
             <a:r>
-              <a:rPr lang="en-US" smtClean="0"/>
+              <a:rPr lang="en-US"/>
               <a:t>Second level</a:t>
             </a:r>
           </a:p>
           <a:p>
             <a:pPr lvl="2"/>
             <a:r>
-              <a:rPr lang="en-US" smtClean="0"/>
+              <a:rPr lang="en-US"/>
               <a:t>Third level</a:t>
             </a:r>
           </a:p>
           <a:p>
             <a:pPr lvl="3"/>
             <a:r>
-              <a:rPr lang="en-US" smtClean="0"/>
+              <a:rPr lang="en-US"/>
               <a:t>Fourth level</a:t>
             </a:r>
           </a:p>
           <a:p>
             <a:pPr lvl="4"/>
             <a:r>
-              <a:rPr lang="en-US" smtClean="0"/>
+              <a:rPr lang="en-US"/>
               <a:t>Fifth level</a:t>
             </a:r>
-            <a:endParaRPr lang="en-US"/>
           </a:p>
         </p:txBody>
       </p:sp>
@@ -895,7 +893,7 @@
               <a:pPr>
                 <a:defRPr/>
               </a:pPr>
-              <a:t>01/10/2019</a:t>
+              <a:t>22/10/2019</a:t>
             </a:fld>
             <a:endParaRPr lang="en-GB"/>
           </a:p>
@@ -1006,10 +1004,9 @@
           <a:lstStyle/>
           <a:p>
             <a:r>
-              <a:rPr lang="en-US" dirty="0" smtClean="0"/>
+              <a:rPr lang="en-US" dirty="0"/>
               <a:t>Click to edit Master title style</a:t>
             </a:r>
-            <a:endParaRPr lang="en-US" dirty="0"/>
           </a:p>
         </p:txBody>
       </p:sp>
@@ -1035,38 +1032,37 @@
           <a:p>
             <a:pPr lvl="0"/>
             <a:r>
-              <a:rPr lang="en-US" smtClean="0"/>
+              <a:rPr lang="en-US"/>
               <a:t>Click to edit Master text styles</a:t>
             </a:r>
           </a:p>
           <a:p>
             <a:pPr lvl="1"/>
             <a:r>
-              <a:rPr lang="en-US" smtClean="0"/>
+              <a:rPr lang="en-US"/>
               <a:t>Second level</a:t>
             </a:r>
           </a:p>
           <a:p>
             <a:pPr lvl="2"/>
             <a:r>
-              <a:rPr lang="en-US" smtClean="0"/>
+              <a:rPr lang="en-US"/>
               <a:t>Third level</a:t>
             </a:r>
           </a:p>
           <a:p>
             <a:pPr lvl="3"/>
             <a:r>
-              <a:rPr lang="en-US" smtClean="0"/>
+              <a:rPr lang="en-US"/>
               <a:t>Fourth level</a:t>
             </a:r>
           </a:p>
           <a:p>
             <a:pPr lvl="4"/>
             <a:r>
-              <a:rPr lang="en-US" smtClean="0"/>
+              <a:rPr lang="en-US"/>
               <a:t>Fifth level</a:t>
             </a:r>
-            <a:endParaRPr lang="en-US"/>
           </a:p>
         </p:txBody>
       </p:sp>
@@ -1097,7 +1093,7 @@
               <a:pPr>
                 <a:defRPr/>
               </a:pPr>
-              <a:t>01/10/2019</a:t>
+              <a:t>22/10/2019</a:t>
             </a:fld>
             <a:endParaRPr lang="en-GB"/>
           </a:p>
@@ -1314,7 +1310,7 @@
           </a:lstStyle>
           <a:p>
             <a:r>
-              <a:rPr lang="en-US" smtClean="0"/>
+              <a:rPr lang="en-US"/>
               <a:t>Click to edit Master title style</a:t>
             </a:r>
             <a:endParaRPr lang="en-US" dirty="0"/>
@@ -1434,7 +1430,7 @@
           <a:p>
             <a:pPr lvl="0"/>
             <a:r>
-              <a:rPr lang="en-US" smtClean="0"/>
+              <a:rPr lang="en-US"/>
               <a:t>Click to edit Master text styles</a:t>
             </a:r>
           </a:p>
@@ -1467,7 +1463,7 @@
               <a:pPr>
                 <a:defRPr/>
               </a:pPr>
-              <a:t>01/10/2019</a:t>
+              <a:t>22/10/2019</a:t>
             </a:fld>
             <a:endParaRPr lang="en-GB"/>
           </a:p>
@@ -1573,10 +1569,9 @@
           <a:lstStyle/>
           <a:p>
             <a:r>
-              <a:rPr lang="en-US" smtClean="0"/>
+              <a:rPr lang="en-US"/>
               <a:t>Click to edit Master title style</a:t>
             </a:r>
-            <a:endParaRPr lang="en-US"/>
           </a:p>
         </p:txBody>
       </p:sp>
@@ -1630,35 +1625,35 @@
           <a:p>
             <a:pPr lvl="0"/>
             <a:r>
-              <a:rPr lang="en-US" smtClean="0"/>
+              <a:rPr lang="en-US"/>
               <a:t>Click to edit Master text styles</a:t>
             </a:r>
           </a:p>
           <a:p>
             <a:pPr lvl="1"/>
             <a:r>
-              <a:rPr lang="en-US" smtClean="0"/>
+              <a:rPr lang="en-US"/>
               <a:t>Second level</a:t>
             </a:r>
           </a:p>
           <a:p>
             <a:pPr lvl="2"/>
             <a:r>
-              <a:rPr lang="en-US" smtClean="0"/>
+              <a:rPr lang="en-US"/>
               <a:t>Third level</a:t>
             </a:r>
           </a:p>
           <a:p>
             <a:pPr lvl="3"/>
             <a:r>
-              <a:rPr lang="en-US" smtClean="0"/>
+              <a:rPr lang="en-US"/>
               <a:t>Fourth level</a:t>
             </a:r>
           </a:p>
           <a:p>
             <a:pPr lvl="4"/>
             <a:r>
-              <a:rPr lang="en-US" smtClean="0"/>
+              <a:rPr lang="en-US"/>
               <a:t>Fifth level</a:t>
             </a:r>
             <a:endParaRPr lang="en-US" dirty="0"/>
@@ -1715,38 +1710,37 @@
           <a:p>
             <a:pPr lvl="0"/>
             <a:r>
-              <a:rPr lang="en-US" smtClean="0"/>
+              <a:rPr lang="en-US"/>
               <a:t>Click to edit Master text styles</a:t>
             </a:r>
           </a:p>
           <a:p>
             <a:pPr lvl="1"/>
             <a:r>
-              <a:rPr lang="en-US" smtClean="0"/>
+              <a:rPr lang="en-US"/>
               <a:t>Second level</a:t>
             </a:r>
           </a:p>
           <a:p>
             <a:pPr lvl="2"/>
             <a:r>
-              <a:rPr lang="en-US" smtClean="0"/>
+              <a:rPr lang="en-US"/>
               <a:t>Third level</a:t>
             </a:r>
           </a:p>
           <a:p>
             <a:pPr lvl="3"/>
             <a:r>
-              <a:rPr lang="en-US" smtClean="0"/>
+              <a:rPr lang="en-US"/>
               <a:t>Fourth level</a:t>
             </a:r>
           </a:p>
           <a:p>
             <a:pPr lvl="4"/>
             <a:r>
-              <a:rPr lang="en-US" smtClean="0"/>
+              <a:rPr lang="en-US"/>
               <a:t>Fifth level</a:t>
             </a:r>
-            <a:endParaRPr lang="en-US"/>
           </a:p>
         </p:txBody>
       </p:sp>
@@ -1777,7 +1771,7 @@
               <a:pPr>
                 <a:defRPr/>
               </a:pPr>
-              <a:t>01/10/2019</a:t>
+              <a:t>22/10/2019</a:t>
             </a:fld>
             <a:endParaRPr lang="en-GB"/>
           </a:p>
@@ -1947,7 +1941,7 @@
           </a:lstStyle>
           <a:p>
             <a:r>
-              <a:rPr lang="en-US" smtClean="0"/>
+              <a:rPr lang="en-US"/>
               <a:t>Click to edit Master title style</a:t>
             </a:r>
             <a:endParaRPr lang="en-US" dirty="0"/>
@@ -2017,7 +2011,7 @@
           <a:p>
             <a:pPr lvl="0"/>
             <a:r>
-              <a:rPr lang="en-US" smtClean="0"/>
+              <a:rPr lang="en-US"/>
               <a:t>Click to edit Master text styles</a:t>
             </a:r>
           </a:p>
@@ -2073,35 +2067,35 @@
           <a:p>
             <a:pPr lvl="0"/>
             <a:r>
-              <a:rPr lang="en-US" smtClean="0"/>
+              <a:rPr lang="en-US"/>
               <a:t>Click to edit Master text styles</a:t>
             </a:r>
           </a:p>
           <a:p>
             <a:pPr lvl="1"/>
             <a:r>
-              <a:rPr lang="en-US" smtClean="0"/>
+              <a:rPr lang="en-US"/>
               <a:t>Second level</a:t>
             </a:r>
           </a:p>
           <a:p>
             <a:pPr lvl="2"/>
             <a:r>
-              <a:rPr lang="en-US" smtClean="0"/>
+              <a:rPr lang="en-US"/>
               <a:t>Third level</a:t>
             </a:r>
           </a:p>
           <a:p>
             <a:pPr lvl="3"/>
             <a:r>
-              <a:rPr lang="en-US" smtClean="0"/>
+              <a:rPr lang="en-US"/>
               <a:t>Fourth level</a:t>
             </a:r>
           </a:p>
           <a:p>
             <a:pPr lvl="4"/>
             <a:r>
-              <a:rPr lang="en-US" smtClean="0"/>
+              <a:rPr lang="en-US"/>
               <a:t>Fifth level</a:t>
             </a:r>
             <a:endParaRPr lang="en-US" dirty="0"/>
@@ -2171,7 +2165,7 @@
           <a:p>
             <a:pPr lvl="0"/>
             <a:r>
-              <a:rPr lang="en-US" smtClean="0"/>
+              <a:rPr lang="en-US"/>
               <a:t>Click to edit Master text styles</a:t>
             </a:r>
           </a:p>
@@ -2227,38 +2221,37 @@
           <a:p>
             <a:pPr lvl="0"/>
             <a:r>
-              <a:rPr lang="en-US" smtClean="0"/>
+              <a:rPr lang="en-US"/>
               <a:t>Click to edit Master text styles</a:t>
             </a:r>
           </a:p>
           <a:p>
             <a:pPr lvl="1"/>
             <a:r>
-              <a:rPr lang="en-US" smtClean="0"/>
+              <a:rPr lang="en-US"/>
               <a:t>Second level</a:t>
             </a:r>
           </a:p>
           <a:p>
             <a:pPr lvl="2"/>
             <a:r>
-              <a:rPr lang="en-US" smtClean="0"/>
+              <a:rPr lang="en-US"/>
               <a:t>Third level</a:t>
             </a:r>
           </a:p>
           <a:p>
             <a:pPr lvl="3"/>
             <a:r>
-              <a:rPr lang="en-US" smtClean="0"/>
+              <a:rPr lang="en-US"/>
               <a:t>Fourth level</a:t>
             </a:r>
           </a:p>
           <a:p>
             <a:pPr lvl="4"/>
             <a:r>
-              <a:rPr lang="en-US" smtClean="0"/>
+              <a:rPr lang="en-US"/>
               <a:t>Fifth level</a:t>
             </a:r>
-            <a:endParaRPr lang="en-US"/>
           </a:p>
         </p:txBody>
       </p:sp>
@@ -2289,7 +2282,7 @@
               <a:pPr>
                 <a:defRPr/>
               </a:pPr>
-              <a:t>01/10/2019</a:t>
+              <a:t>22/10/2019</a:t>
             </a:fld>
             <a:endParaRPr lang="en-GB"/>
           </a:p>
@@ -2395,7 +2388,7 @@
           <a:lstStyle/>
           <a:p>
             <a:r>
-              <a:rPr lang="en-US" smtClean="0"/>
+              <a:rPr lang="en-US"/>
               <a:t>Click to edit Master title style</a:t>
             </a:r>
             <a:endParaRPr lang="en-US" dirty="0"/>
@@ -2429,7 +2422,7 @@
               <a:pPr>
                 <a:defRPr/>
               </a:pPr>
-              <a:t>01/10/2019</a:t>
+              <a:t>22/10/2019</a:t>
             </a:fld>
             <a:endParaRPr lang="en-GB"/>
           </a:p>
@@ -2546,7 +2539,7 @@
               <a:pPr>
                 <a:defRPr/>
               </a:pPr>
-              <a:t>01/10/2019</a:t>
+              <a:t>22/10/2019</a:t>
             </a:fld>
             <a:endParaRPr lang="en-GB"/>
           </a:p>
@@ -2701,10 +2694,9 @@
           </a:lstStyle>
           <a:p>
             <a:r>
-              <a:rPr lang="en-US" smtClean="0"/>
+              <a:rPr lang="en-US"/>
               <a:t>Click to edit Master title style</a:t>
             </a:r>
-            <a:endParaRPr lang="en-US"/>
           </a:p>
         </p:txBody>
       </p:sp>
@@ -2758,35 +2750,35 @@
           <a:p>
             <a:pPr lvl="0"/>
             <a:r>
-              <a:rPr lang="en-US" smtClean="0"/>
+              <a:rPr lang="en-US"/>
               <a:t>Click to edit Master text styles</a:t>
             </a:r>
           </a:p>
           <a:p>
             <a:pPr lvl="1"/>
             <a:r>
-              <a:rPr lang="en-US" smtClean="0"/>
+              <a:rPr lang="en-US"/>
               <a:t>Second level</a:t>
             </a:r>
           </a:p>
           <a:p>
             <a:pPr lvl="2"/>
             <a:r>
-              <a:rPr lang="en-US" smtClean="0"/>
+              <a:rPr lang="en-US"/>
               <a:t>Third level</a:t>
             </a:r>
           </a:p>
           <a:p>
             <a:pPr lvl="3"/>
             <a:r>
-              <a:rPr lang="en-US" smtClean="0"/>
+              <a:rPr lang="en-US"/>
               <a:t>Fourth level</a:t>
             </a:r>
           </a:p>
           <a:p>
             <a:pPr lvl="4"/>
             <a:r>
-              <a:rPr lang="en-US" smtClean="0"/>
+              <a:rPr lang="en-US"/>
               <a:t>Fifth level</a:t>
             </a:r>
             <a:endParaRPr lang="en-US" dirty="0"/>
@@ -2858,7 +2850,7 @@
           <a:p>
             <a:pPr lvl="0"/>
             <a:r>
-              <a:rPr lang="en-US" smtClean="0"/>
+              <a:rPr lang="en-US"/>
               <a:t>Click to edit Master text styles</a:t>
             </a:r>
           </a:p>
@@ -2891,7 +2883,7 @@
               <a:pPr>
                 <a:defRPr/>
               </a:pPr>
-              <a:t>01/10/2019</a:t>
+              <a:t>22/10/2019</a:t>
             </a:fld>
             <a:endParaRPr lang="en-GB"/>
           </a:p>
@@ -3008,7 +3000,7 @@
           </a:lstStyle>
           <a:p>
             <a:r>
-              <a:rPr lang="en-US" smtClean="0"/>
+              <a:rPr lang="en-US"/>
               <a:t>Click to edit Master title style</a:t>
             </a:r>
             <a:endParaRPr lang="en-US" dirty="0"/>
@@ -3081,10 +3073,9 @@
           <a:p>
             <a:pPr lvl="0"/>
             <a:r>
-              <a:rPr lang="en-US" noProof="0" smtClean="0"/>
+              <a:rPr lang="en-US" noProof="0"/>
               <a:t>Click icon to add picture</a:t>
             </a:r>
-            <a:endParaRPr lang="en-US" noProof="0"/>
           </a:p>
         </p:txBody>
       </p:sp>
@@ -3149,7 +3140,7 @@
           <a:p>
             <a:pPr lvl="0"/>
             <a:r>
-              <a:rPr lang="en-US" smtClean="0"/>
+              <a:rPr lang="en-US"/>
               <a:t>Click to edit Master text styles</a:t>
             </a:r>
           </a:p>
@@ -3182,7 +3173,7 @@
               <a:pPr>
                 <a:defRPr/>
               </a:pPr>
-              <a:t>01/10/2019</a:t>
+              <a:t>22/10/2019</a:t>
             </a:fld>
             <a:endParaRPr lang="en-GB"/>
           </a:p>
@@ -3336,7 +3327,7 @@
           <a:p>
             <a:pPr lvl="0"/>
             <a:r>
-              <a:rPr lang="en-US" altLang="en-US" smtClean="0"/>
+              <a:rPr lang="en-US" altLang="en-US"/>
               <a:t>Click to edit Master title style</a:t>
             </a:r>
           </a:p>
@@ -3394,35 +3385,35 @@
           <a:p>
             <a:pPr lvl="0"/>
             <a:r>
-              <a:rPr lang="en-US" altLang="en-US" smtClean="0"/>
+              <a:rPr lang="en-US" altLang="en-US"/>
               <a:t>Click to edit Master text styles</a:t>
             </a:r>
           </a:p>
           <a:p>
             <a:pPr lvl="1"/>
             <a:r>
-              <a:rPr lang="en-US" altLang="en-US" smtClean="0"/>
+              <a:rPr lang="en-US" altLang="en-US"/>
               <a:t>Second level</a:t>
             </a:r>
           </a:p>
           <a:p>
             <a:pPr lvl="2"/>
             <a:r>
-              <a:rPr lang="en-US" altLang="en-US" smtClean="0"/>
+              <a:rPr lang="en-US" altLang="en-US"/>
               <a:t>Third level</a:t>
             </a:r>
           </a:p>
           <a:p>
             <a:pPr lvl="3"/>
             <a:r>
-              <a:rPr lang="en-US" altLang="en-US" smtClean="0"/>
+              <a:rPr lang="en-US" altLang="en-US"/>
               <a:t>Fourth level</a:t>
             </a:r>
           </a:p>
           <a:p>
             <a:pPr lvl="4"/>
             <a:r>
-              <a:rPr lang="en-US" altLang="en-US" smtClean="0"/>
+              <a:rPr lang="en-US" altLang="en-US"/>
               <a:t>Fifth level</a:t>
             </a:r>
           </a:p>
@@ -3478,7 +3469,7 @@
               <a:pPr>
                 <a:defRPr/>
               </a:pPr>
-              <a:t>01/10/2019</a:t>
+              <a:t>22/10/2019</a:t>
             </a:fld>
             <a:endParaRPr lang="en-GB"/>
           </a:p>
@@ -4110,7 +4101,7 @@
           <a:p>
             <a:pPr eaLnBrk="1" hangingPunct="1"/>
             <a:r>
-              <a:rPr lang="en-GB" altLang="en-US" sz="4800" dirty="0" smtClean="0">
+              <a:rPr lang="en-GB" altLang="en-US" sz="4800" dirty="0">
                 <a:solidFill>
                   <a:schemeClr val="bg1"/>
                 </a:solidFill>
@@ -4118,17 +4109,8 @@
               </a:rPr>
               <a:t>IS3S661</a:t>
             </a:r>
-            <a:r>
-              <a:rPr lang="en-GB" altLang="en-US" sz="4800" dirty="0" smtClean="0">
-                <a:solidFill>
-                  <a:schemeClr val="bg1"/>
-                </a:solidFill>
-                <a:latin typeface="Arial Black" panose="020B0A04020102020204" pitchFamily="34" charset="0"/>
-              </a:rPr>
-              <a:t/>
-            </a:r>
             <a:br>
-              <a:rPr lang="en-GB" altLang="en-US" sz="4800" dirty="0" smtClean="0">
+              <a:rPr lang="en-GB" altLang="en-US" sz="4800" dirty="0">
                 <a:solidFill>
                   <a:schemeClr val="bg1"/>
                 </a:solidFill>
@@ -4136,7 +4118,7 @@
               </a:rPr>
             </a:br>
             <a:r>
-              <a:rPr lang="en-GB" altLang="en-US" sz="4800" dirty="0" smtClean="0">
+              <a:rPr lang="en-GB" altLang="en-US" sz="4800" dirty="0">
                 <a:solidFill>
                   <a:schemeClr val="bg1"/>
                 </a:solidFill>
@@ -4144,28 +4126,16 @@
               </a:rPr>
               <a:t>Strategic IS Management </a:t>
             </a:r>
-            <a:r>
-              <a:rPr lang="en-GB" altLang="en-US" sz="4800" dirty="0" smtClean="0"/>
-              <a:t/>
-            </a:r>
             <a:br>
-              <a:rPr lang="en-GB" altLang="en-US" sz="4800" dirty="0" smtClean="0"/>
+              <a:rPr lang="en-GB" altLang="en-US" sz="4800" dirty="0"/>
             </a:br>
-            <a:r>
-              <a:rPr lang="en-GB" altLang="en-US" sz="4800" dirty="0" smtClean="0"/>
-              <a:t/>
-            </a:r>
             <a:br>
-              <a:rPr lang="en-GB" altLang="en-US" sz="4800" dirty="0" smtClean="0"/>
+              <a:rPr lang="en-GB" altLang="en-US" sz="4800" dirty="0"/>
             </a:br>
-            <a:r>
-              <a:rPr lang="en-GB" altLang="en-US" sz="4800" dirty="0" smtClean="0"/>
-              <a:t/>
-            </a:r>
             <a:br>
-              <a:rPr lang="en-GB" altLang="en-US" sz="4800" dirty="0" smtClean="0"/>
+              <a:rPr lang="en-GB" altLang="en-US" sz="4800" dirty="0"/>
             </a:br>
-            <a:endParaRPr lang="en-GB" altLang="en-US" sz="4800" dirty="0" smtClean="0"/>
+            <a:endParaRPr lang="en-GB" altLang="en-US" sz="4800" dirty="0"/>
           </a:p>
         </p:txBody>
       </p:sp>
@@ -4197,22 +4167,13 @@
               <a:defRPr/>
             </a:pPr>
             <a:r>
-              <a:rPr lang="en-GB" altLang="en-US" sz="3500" b="1" dirty="0" smtClean="0">
+              <a:rPr lang="en-GB" altLang="en-US" sz="3500" b="1" dirty="0">
                 <a:solidFill>
                   <a:srgbClr val="C00000"/>
                 </a:solidFill>
                 <a:cs typeface="Arial" charset="0"/>
               </a:rPr>
-              <a:t>Strategy </a:t>
-            </a:r>
-            <a:r>
-              <a:rPr lang="en-GB" altLang="en-US" sz="3500" b="1" dirty="0" smtClean="0">
-                <a:solidFill>
-                  <a:srgbClr val="C00000"/>
-                </a:solidFill>
-                <a:cs typeface="Arial" charset="0"/>
-              </a:rPr>
-              <a:t>Initiation: </a:t>
+              <a:t>Strategy Initiation: </a:t>
             </a:r>
           </a:p>
           <a:p>
@@ -4222,7 +4183,7 @@
               <a:defRPr/>
             </a:pPr>
             <a:r>
-              <a:rPr lang="en-GB" altLang="en-US" sz="3500" b="1" dirty="0" smtClean="0">
+              <a:rPr lang="en-GB" altLang="en-US" sz="3500" b="1" dirty="0">
                 <a:solidFill>
                   <a:srgbClr val="C00000"/>
                 </a:solidFill>
@@ -4237,7 +4198,7 @@
               <a:buNone/>
               <a:defRPr/>
             </a:pPr>
-            <a:endParaRPr lang="en-GB" altLang="en-US" dirty="0" smtClean="0">
+            <a:endParaRPr lang="en-GB" altLang="en-US" dirty="0">
               <a:cs typeface="Arial" charset="0"/>
             </a:endParaRPr>
           </a:p>
@@ -4248,37 +4209,37 @@
               <a:defRPr/>
             </a:pPr>
             <a:r>
-              <a:rPr lang="en-GB" altLang="en-US" dirty="0" smtClean="0">
+              <a:rPr lang="en-GB" altLang="en-US" dirty="0">
                 <a:cs typeface="Arial" charset="0"/>
               </a:rPr>
               <a:t>David </a:t>
             </a:r>
             <a:r>
-              <a:rPr lang="en-GB" altLang="en-US" dirty="0" err="1" smtClean="0">
+              <a:rPr lang="en-GB" altLang="en-US" dirty="0" err="1">
                 <a:cs typeface="Arial" charset="0"/>
               </a:rPr>
               <a:t>Kidner</a:t>
             </a:r>
             <a:r>
-              <a:rPr lang="en-GB" altLang="en-US" dirty="0" smtClean="0">
+              <a:rPr lang="en-GB" altLang="en-US" dirty="0">
                 <a:cs typeface="Arial" charset="0"/>
               </a:rPr>
               <a:t>  </a:t>
             </a:r>
             <a:r>
-              <a:rPr lang="en-GB" altLang="en-US" sz="2000" dirty="0" smtClean="0">
+              <a:rPr lang="en-GB" altLang="en-US" sz="2000" dirty="0">
                 <a:cs typeface="Arial" charset="0"/>
               </a:rPr>
               <a:t>(J302) </a:t>
             </a:r>
             <a:r>
-              <a:rPr lang="en-GB" altLang="en-US" sz="2000" dirty="0" smtClean="0">
+              <a:rPr lang="en-GB" altLang="en-US" sz="2000" dirty="0">
                 <a:cs typeface="Arial" charset="0"/>
                 <a:hlinkClick r:id="rId2"/>
               </a:rPr>
               <a:t>david.kidner@southwales.ac.uk</a:t>
             </a:r>
-            <a:endParaRPr lang="en-GB" altLang="en-US" sz="2000" dirty="0" smtClean="0">
+            <a:endParaRPr lang="en-GB" altLang="en-US" sz="2000" dirty="0">
               <a:cs typeface="Arial" charset="0"/>
             </a:endParaRPr>
           </a:p>
@@ -4288,7 +4249,7 @@
               <a:buNone/>
               <a:defRPr/>
             </a:pPr>
-            <a:endParaRPr lang="en-GB" altLang="en-US" sz="2000" dirty="0" smtClean="0"/>
+            <a:endParaRPr lang="en-GB" altLang="en-US" sz="2000" dirty="0"/>
           </a:p>
         </p:txBody>
       </p:sp>
@@ -4351,13 +4312,6 @@
   <p:clrMapOvr>
     <a:masterClrMapping/>
   </p:clrMapOvr>
-  <p:timing>
-    <p:tnLst>
-      <p:par>
-        <p:cTn id="1" dur="indefinite" restart="never" nodeType="tmRoot"/>
-      </p:par>
-    </p:tnLst>
-  </p:timing>
 </p:sld>
 </file>
 
@@ -4399,7 +4353,7 @@
           <a:lstStyle/>
           <a:p>
             <a:r>
-              <a:rPr lang="en-GB" altLang="en-US" smtClean="0"/>
+              <a:rPr lang="en-GB" altLang="en-US"/>
               <a:t>Importance of VISION?</a:t>
             </a:r>
           </a:p>
@@ -4427,14 +4381,14 @@
           <a:p>
             <a:pPr eaLnBrk="1" hangingPunct="1"/>
             <a:r>
-              <a:rPr lang="en-GB" altLang="en-US" sz="2800" smtClean="0"/>
+              <a:rPr lang="en-GB" altLang="en-US" sz="2800"/>
               <a:t>An e-Commerce organisation must develop a competitive advantage to survive. If you can’t answer this, you’re sure to fail:</a:t>
             </a:r>
           </a:p>
           <a:p>
             <a:pPr lvl="1" eaLnBrk="1" hangingPunct="1"/>
             <a:r>
-              <a:rPr lang="en-GB" altLang="en-US" sz="2400" b="1" smtClean="0">
+              <a:rPr lang="en-GB" altLang="en-US" sz="2400" b="1">
                 <a:solidFill>
                   <a:srgbClr val="C00000"/>
                 </a:solidFill>
@@ -4443,7 +4397,7 @@
             </a:r>
           </a:p>
           <a:p>
-            <a:endParaRPr lang="en-GB" altLang="en-US" smtClean="0"/>
+            <a:endParaRPr lang="en-GB" altLang="en-US"/>
           </a:p>
         </p:txBody>
       </p:sp>
@@ -4452,13 +4406,6 @@
   <p:clrMapOvr>
     <a:masterClrMapping/>
   </p:clrMapOvr>
-  <p:timing>
-    <p:tnLst>
-      <p:par>
-        <p:cTn id="1" dur="indefinite" restart="never" nodeType="tmRoot"/>
-      </p:par>
-    </p:tnLst>
-  </p:timing>
 </p:sld>
 </file>
 
@@ -4500,7 +4447,7 @@
           <a:lstStyle/>
           <a:p>
             <a:r>
-              <a:rPr lang="en-GB" altLang="en-US" smtClean="0"/>
+              <a:rPr lang="en-GB" altLang="en-US"/>
               <a:t>Importance of VISION?</a:t>
             </a:r>
           </a:p>
@@ -4527,54 +4474,54 @@
           <a:lstStyle/>
           <a:p>
             <a:r>
-              <a:rPr lang="en-GB" altLang="en-US" smtClean="0"/>
+              <a:rPr lang="en-GB" altLang="en-US"/>
               <a:t>The MISSION STATEMENT provides a mechanism for achieving the Vision.  It identifies</a:t>
             </a:r>
           </a:p>
           <a:p>
             <a:pPr lvl="1"/>
             <a:r>
-              <a:rPr lang="en-GB" altLang="en-US" smtClean="0"/>
+              <a:rPr lang="en-GB" altLang="en-US"/>
               <a:t>Organisation’s Core Purpose</a:t>
             </a:r>
           </a:p>
           <a:p>
             <a:pPr lvl="1"/>
             <a:r>
-              <a:rPr lang="en-GB" altLang="en-US" smtClean="0"/>
+              <a:rPr lang="en-GB" altLang="en-US"/>
               <a:t>Core Values</a:t>
             </a:r>
           </a:p>
           <a:p>
             <a:pPr lvl="1"/>
             <a:r>
-              <a:rPr lang="en-GB" altLang="en-US" smtClean="0"/>
+              <a:rPr lang="en-GB" altLang="en-US"/>
               <a:t>Beliefs</a:t>
             </a:r>
           </a:p>
           <a:p>
             <a:pPr lvl="1"/>
             <a:r>
-              <a:rPr lang="en-GB" altLang="en-US" smtClean="0"/>
+              <a:rPr lang="en-GB" altLang="en-US"/>
               <a:t>Culture</a:t>
             </a:r>
           </a:p>
           <a:p>
             <a:pPr lvl="1"/>
             <a:r>
-              <a:rPr lang="en-GB" altLang="en-US" smtClean="0"/>
+              <a:rPr lang="en-GB" altLang="en-US"/>
               <a:t>Primary Business</a:t>
             </a:r>
           </a:p>
           <a:p>
             <a:pPr lvl="1"/>
             <a:r>
-              <a:rPr lang="en-GB" altLang="en-US" smtClean="0"/>
+              <a:rPr lang="en-GB" altLang="en-US"/>
               <a:t>Primary Customers</a:t>
             </a:r>
           </a:p>
           <a:p>
-            <a:endParaRPr lang="en-GB" altLang="en-US" smtClean="0"/>
+            <a:endParaRPr lang="en-GB" altLang="en-US"/>
           </a:p>
         </p:txBody>
       </p:sp>
@@ -4583,13 +4530,6 @@
   <p:clrMapOvr>
     <a:masterClrMapping/>
   </p:clrMapOvr>
-  <p:timing>
-    <p:tnLst>
-      <p:par>
-        <p:cTn id="1" dur="indefinite" restart="never" nodeType="tmRoot"/>
-      </p:par>
-    </p:tnLst>
-  </p:timing>
 </p:sld>
 </file>
 
@@ -4631,7 +4571,7 @@
           <a:lstStyle/>
           <a:p>
             <a:r>
-              <a:rPr lang="en-GB" altLang="en-US" smtClean="0"/>
+              <a:rPr lang="en-GB" altLang="en-US"/>
               <a:t>Mission Statement Considerations</a:t>
             </a:r>
           </a:p>
@@ -4663,11 +4603,11 @@
               </a:lnSpc>
             </a:pPr>
             <a:r>
-              <a:rPr lang="en-US" altLang="en-US" i="1" smtClean="0"/>
+              <a:rPr lang="en-US" altLang="en-US" i="1"/>
               <a:t>Purpose</a:t>
             </a:r>
             <a:r>
-              <a:rPr lang="en-US" altLang="en-US" smtClean="0"/>
+              <a:rPr lang="en-US" altLang="en-US"/>
               <a:t> – communicates why an organisation exists</a:t>
             </a:r>
           </a:p>
@@ -4678,11 +4618,11 @@
               </a:lnSpc>
             </a:pPr>
             <a:r>
-              <a:rPr lang="en-US" altLang="en-US" i="1" smtClean="0"/>
+              <a:rPr lang="en-US" altLang="en-US" i="1"/>
               <a:t>Beliefs</a:t>
             </a:r>
             <a:r>
-              <a:rPr lang="en-US" altLang="en-US" smtClean="0"/>
+              <a:rPr lang="en-US" altLang="en-US"/>
               <a:t> – what the leaders of an organisation stand for</a:t>
             </a:r>
           </a:p>
@@ -4693,11 +4633,11 @@
               </a:lnSpc>
             </a:pPr>
             <a:r>
-              <a:rPr lang="en-US" altLang="en-US" i="1" smtClean="0"/>
+              <a:rPr lang="en-US" altLang="en-US" i="1"/>
               <a:t>Core values</a:t>
             </a:r>
             <a:r>
-              <a:rPr lang="en-US" altLang="en-US" smtClean="0"/>
+              <a:rPr lang="en-US" altLang="en-US"/>
               <a:t> – how decisions will be made and how people will be treated</a:t>
             </a:r>
           </a:p>
@@ -4708,11 +4648,11 @@
               </a:lnSpc>
             </a:pPr>
             <a:r>
-              <a:rPr lang="en-US" altLang="en-US" i="1" smtClean="0"/>
+              <a:rPr lang="en-US" altLang="en-US" i="1"/>
               <a:t>Culture</a:t>
             </a:r>
             <a:r>
-              <a:rPr lang="en-US" altLang="en-US" smtClean="0"/>
+              <a:rPr lang="en-US" altLang="en-US"/>
               <a:t> – how members should act</a:t>
             </a:r>
           </a:p>
@@ -4723,11 +4663,11 @@
               </a:lnSpc>
             </a:pPr>
             <a:r>
-              <a:rPr lang="en-US" altLang="en-US" i="1" smtClean="0"/>
+              <a:rPr lang="en-US" altLang="en-US" i="1"/>
               <a:t>Primary business areas</a:t>
             </a:r>
             <a:r>
-              <a:rPr lang="en-US" altLang="en-US" smtClean="0"/>
+              <a:rPr lang="en-US" altLang="en-US"/>
               <a:t> – what business the organisation engages in</a:t>
             </a:r>
           </a:p>
@@ -4738,16 +4678,16 @@
               </a:lnSpc>
             </a:pPr>
             <a:r>
-              <a:rPr lang="en-US" altLang="en-US" i="1" smtClean="0"/>
+              <a:rPr lang="en-US" altLang="en-US" i="1"/>
               <a:t>Primary customers</a:t>
             </a:r>
             <a:r>
-              <a:rPr lang="en-US" altLang="en-US" smtClean="0"/>
+              <a:rPr lang="en-US" altLang="en-US"/>
               <a:t> – which groups of people need to be satisfied</a:t>
             </a:r>
           </a:p>
           <a:p>
-            <a:endParaRPr lang="en-GB" altLang="en-US" smtClean="0"/>
+            <a:endParaRPr lang="en-GB" altLang="en-US"/>
           </a:p>
         </p:txBody>
       </p:sp>
@@ -4756,13 +4696,6 @@
   <p:clrMapOvr>
     <a:masterClrMapping/>
   </p:clrMapOvr>
-  <p:timing>
-    <p:tnLst>
-      <p:par>
-        <p:cTn id="1" dur="indefinite" restart="never" nodeType="tmRoot"/>
-      </p:par>
-    </p:tnLst>
-  </p:timing>
 </p:sld>
 </file>
 
@@ -4804,7 +4737,7 @@
           <a:lstStyle/>
           <a:p>
             <a:r>
-              <a:rPr lang="en-GB" altLang="en-US" sz="4800" smtClean="0"/>
+              <a:rPr lang="en-GB" altLang="en-US" sz="4800"/>
               <a:t>Vision / Mission Statement</a:t>
             </a:r>
           </a:p>
@@ -4831,13 +4764,13 @@
           <a:lstStyle/>
           <a:p>
             <a:r>
-              <a:rPr lang="en-GB" altLang="en-US" smtClean="0"/>
+              <a:rPr lang="en-GB" altLang="en-US"/>
               <a:t>A carefully crafted vision statement can help you communicate your company's goals to employees and management in a single sentence or a few concise paragraphs. </a:t>
             </a:r>
           </a:p>
           <a:p>
             <a:r>
-              <a:rPr lang="en-GB" altLang="en-US" smtClean="0"/>
+              <a:rPr lang="en-GB" altLang="en-US"/>
               <a:t>While a well-thought-out statement may take a few days or weeks to craft, the result will be a tool that helps inspire strategic decision making and product development for your business for years to come.</a:t>
             </a:r>
           </a:p>
@@ -4848,13 +4781,6 @@
   <p:clrMapOvr>
     <a:masterClrMapping/>
   </p:clrMapOvr>
-  <p:timing>
-    <p:tnLst>
-      <p:par>
-        <p:cTn id="1" dur="indefinite" restart="never" nodeType="tmRoot"/>
-      </p:par>
-    </p:tnLst>
-  </p:timing>
 </p:sld>
 </file>
 
@@ -4896,10 +4822,10 @@
           <a:lstStyle/>
           <a:p>
             <a:r>
-              <a:rPr lang="en-GB" altLang="en-US" b="1" smtClean="0"/>
+              <a:rPr lang="en-GB" altLang="en-US" b="1"/>
               <a:t>Vision and Strategy</a:t>
             </a:r>
-            <a:endParaRPr lang="en-GB" altLang="en-US" smtClean="0"/>
+            <a:endParaRPr lang="en-GB" altLang="en-US"/>
           </a:p>
         </p:txBody>
       </p:sp>
@@ -4924,19 +4850,19 @@
           <a:lstStyle/>
           <a:p>
             <a:r>
-              <a:rPr lang="en-GB" altLang="en-US" smtClean="0"/>
+              <a:rPr lang="en-GB" altLang="en-US"/>
               <a:t>Another way to think about strategy is to look at the Vision (Mission) Statement and where you are now.  </a:t>
             </a:r>
           </a:p>
           <a:p>
             <a:r>
-              <a:rPr lang="en-GB" altLang="en-US" smtClean="0"/>
+              <a:rPr lang="en-GB" altLang="en-US"/>
               <a:t>If you haven't achieved your vision, your strategy is what you need to do.  </a:t>
             </a:r>
           </a:p>
           <a:p>
             <a:r>
-              <a:rPr lang="en-GB" altLang="en-US" smtClean="0"/>
+              <a:rPr lang="en-GB" altLang="en-US"/>
               <a:t>If you have achieved your vision (pretty rare in the business world), your strategy is how you will maintain that vision against the inevitable competition.</a:t>
             </a:r>
           </a:p>
@@ -4947,13 +4873,6 @@
   <p:clrMapOvr>
     <a:masterClrMapping/>
   </p:clrMapOvr>
-  <p:timing>
-    <p:tnLst>
-      <p:par>
-        <p:cTn id="1" dur="indefinite" restart="never" nodeType="tmRoot"/>
-      </p:par>
-    </p:tnLst>
-  </p:timing>
 </p:sld>
 </file>
 
@@ -4995,10 +4914,9 @@
           <a:lstStyle/>
           <a:p>
             <a:r>
-              <a:rPr lang="en-GB" sz="4800" b="1" dirty="0" smtClean="0"/>
+              <a:rPr lang="en-GB" sz="4800" b="1" dirty="0"/>
               <a:t>MISSION &amp; VISION</a:t>
             </a:r>
-            <a:endParaRPr lang="en-GB" sz="4800" b="1" dirty="0"/>
           </a:p>
         </p:txBody>
       </p:sp>
@@ -5018,11 +4936,11 @@
           <a:lstStyle/>
           <a:p>
             <a:r>
-              <a:rPr lang="en-GB" b="1" dirty="0" smtClean="0"/>
+              <a:rPr lang="en-GB" b="1" dirty="0"/>
               <a:t>MISSION</a:t>
             </a:r>
             <a:r>
-              <a:rPr lang="en-GB" dirty="0" smtClean="0"/>
+              <a:rPr lang="en-GB" dirty="0"/>
               <a:t> – Exceptional Service from Exceptional People</a:t>
             </a:r>
           </a:p>
@@ -5031,14 +4949,13 @@
           </a:p>
           <a:p>
             <a:r>
-              <a:rPr lang="en-GB" b="1" dirty="0" smtClean="0"/>
+              <a:rPr lang="en-GB" b="1" dirty="0"/>
               <a:t>VISION</a:t>
             </a:r>
             <a:r>
-              <a:rPr lang="en-GB" dirty="0" smtClean="0"/>
+              <a:rPr lang="en-GB" dirty="0"/>
               <a:t> – Taking Personal Responsibility for Achieving the Mission; Pursuing Excellence in Everything We Do; Displaying Honesty and Trust in all our Relations with Customers to Deliver Outstanding Service to them At All Times; Recognising and Respecting the Needs of Individuals.</a:t>
             </a:r>
-            <a:endParaRPr lang="en-GB" dirty="0"/>
           </a:p>
         </p:txBody>
       </p:sp>
@@ -5295,7 +5212,7 @@
           <a:lstStyle/>
           <a:p>
             <a:r>
-              <a:rPr lang="en-GB" altLang="en-US" smtClean="0"/>
+              <a:rPr lang="en-GB" altLang="en-US"/>
               <a:t>Google’s Vision</a:t>
             </a:r>
           </a:p>
@@ -5322,57 +5239,57 @@
           <a:lstStyle/>
           <a:p>
             <a:r>
-              <a:rPr lang="en-GB" altLang="en-US" smtClean="0"/>
+              <a:rPr lang="en-GB" altLang="en-US"/>
               <a:t>"Google's vision is to organize the world's information and make it universally accessible and useful." </a:t>
             </a:r>
             <a:r>
-              <a:rPr lang="en-GB" altLang="en-US" sz="1600" smtClean="0"/>
+              <a:rPr lang="en-GB" altLang="en-US" sz="1600"/>
               <a:t> </a:t>
             </a:r>
           </a:p>
           <a:p>
             <a:r>
-              <a:rPr lang="en-GB" altLang="en-US" smtClean="0"/>
+              <a:rPr lang="en-GB" altLang="en-US"/>
               <a:t>Their then-CEO Eric Schmidt put it a little differently</a:t>
             </a:r>
             <a:r>
-              <a:rPr lang="en-GB" altLang="en-US" sz="1600" smtClean="0"/>
+              <a:rPr lang="en-GB" altLang="en-US" sz="1600"/>
               <a:t>: </a:t>
             </a:r>
           </a:p>
           <a:p>
             <a:pPr lvl="1"/>
             <a:r>
-              <a:rPr lang="en-GB" altLang="en-US" sz="1600" smtClean="0"/>
+              <a:rPr lang="en-GB" altLang="en-US" sz="1600"/>
               <a:t>"We want to have a little bit of Google in every transaction on the Internet."  </a:t>
             </a:r>
           </a:p>
           <a:p>
             <a:r>
-              <a:rPr lang="en-GB" altLang="en-US" smtClean="0"/>
+              <a:rPr lang="en-GB" altLang="en-US"/>
               <a:t>How are they going to achieve this?  </a:t>
             </a:r>
           </a:p>
           <a:p>
             <a:r>
-              <a:rPr lang="en-GB" altLang="en-US" sz="1600" smtClean="0"/>
+              <a:rPr lang="en-GB" altLang="en-US" sz="1600"/>
               <a:t>"Google's strategy is to combine the near-unlimited power of server-side computing with its database of human behaviour to create technological devices that are 'like magic'.  All of a sudden there are things you can do that were not previously possible.” (Schmidt, 2010 Twitter).</a:t>
             </a:r>
           </a:p>
           <a:p>
             <a:r>
-              <a:rPr lang="en-GB" altLang="en-US" sz="1600" smtClean="0"/>
+              <a:rPr lang="en-GB" altLang="en-US" sz="1600"/>
               <a:t>So it should be clear that Google's goal is to take a piece of every buy and sell transaction on the internet by providing the best available information and by understanding what people want and how they act. </a:t>
             </a:r>
           </a:p>
           <a:p>
             <a:r>
-              <a:rPr lang="en-GB" altLang="en-US" smtClean="0"/>
+              <a:rPr lang="en-GB" altLang="en-US"/>
               <a:t>Visions should be simple statements understandable by everyone, inside or outside the company.</a:t>
             </a:r>
           </a:p>
           <a:p>
-            <a:endParaRPr lang="en-GB" altLang="en-US" smtClean="0"/>
+            <a:endParaRPr lang="en-GB" altLang="en-US"/>
           </a:p>
         </p:txBody>
       </p:sp>
@@ -6170,13 +6087,6 @@
   <p:clrMapOvr>
     <a:masterClrMapping/>
   </p:clrMapOvr>
-  <p:timing>
-    <p:tnLst>
-      <p:par>
-        <p:cTn id="1" dur="indefinite" restart="never" nodeType="tmRoot"/>
-      </p:par>
-    </p:tnLst>
-  </p:timing>
 </p:sld>
 </file>
 
@@ -6218,7 +6128,7 @@
           <a:lstStyle/>
           <a:p>
             <a:r>
-              <a:rPr lang="en-GB" altLang="en-US" sz="4800" smtClean="0"/>
+              <a:rPr lang="en-GB" altLang="en-US" sz="4800"/>
               <a:t>General Motors’ Vision</a:t>
             </a:r>
           </a:p>
@@ -6245,51 +6155,51 @@
           <a:lstStyle/>
           <a:p>
             <a:r>
-              <a:rPr lang="en-GB" altLang="en-US" sz="2000" smtClean="0"/>
+              <a:rPr lang="en-GB" altLang="en-US" sz="2000"/>
               <a:t>"We have a vision to design, build and sell the world's best vehicles.  Our executive leaderships and our employees are committed to:</a:t>
             </a:r>
           </a:p>
           <a:p>
             <a:pPr lvl="1"/>
             <a:r>
-              <a:rPr lang="en-GB" altLang="en-US" sz="1800" smtClean="0"/>
+              <a:rPr lang="en-GB" altLang="en-US" sz="1800"/>
               <a:t>Building our market share, revenue, earnings and cash flow; </a:t>
             </a:r>
           </a:p>
           <a:p>
             <a:pPr lvl="1"/>
             <a:r>
-              <a:rPr lang="en-GB" altLang="en-US" sz="1800" smtClean="0"/>
+              <a:rPr lang="en-GB" altLang="en-US" sz="1800"/>
               <a:t>Improving the quality of our cars and trucks, while increasing customer satisfaction and overall perception of our products, and </a:t>
             </a:r>
           </a:p>
           <a:p>
             <a:pPr lvl="1"/>
             <a:r>
-              <a:rPr lang="en-GB" altLang="en-US" sz="1800" smtClean="0"/>
+              <a:rPr lang="en-GB" altLang="en-US" sz="1800"/>
               <a:t>Continuing to take a leadership role in the development of advanced energy saving technologies..."</a:t>
             </a:r>
           </a:p>
           <a:p>
             <a:r>
-              <a:rPr lang="en-GB" altLang="en-US" sz="2000" smtClean="0"/>
+              <a:rPr lang="en-GB" altLang="en-US" sz="2000"/>
               <a:t>The Vision is to design, build and sell the world's best cars.  </a:t>
             </a:r>
           </a:p>
           <a:p>
             <a:r>
-              <a:rPr lang="en-GB" altLang="en-US" sz="2000" smtClean="0"/>
+              <a:rPr lang="en-GB" altLang="en-US" sz="2000"/>
               <a:t>How are they going to do that?  </a:t>
             </a:r>
           </a:p>
           <a:p>
             <a:r>
-              <a:rPr lang="en-GB" altLang="en-US" sz="2000" smtClean="0"/>
+              <a:rPr lang="en-GB" altLang="en-US" sz="2000"/>
               <a:t>The strategy is to improve quality (which should increase customer satisfaction) and develop energy saving technologies.</a:t>
             </a:r>
           </a:p>
           <a:p>
-            <a:endParaRPr lang="en-GB" altLang="en-US" sz="1800" smtClean="0"/>
+            <a:endParaRPr lang="en-GB" altLang="en-US" sz="1800"/>
           </a:p>
         </p:txBody>
       </p:sp>
@@ -6352,13 +6262,6 @@
   <p:clrMapOvr>
     <a:masterClrMapping/>
   </p:clrMapOvr>
-  <p:timing>
-    <p:tnLst>
-      <p:par>
-        <p:cTn id="1" dur="indefinite" restart="never" nodeType="tmRoot"/>
-      </p:par>
-    </p:tnLst>
-  </p:timing>
 </p:sld>
 </file>
 
@@ -6400,7 +6303,7 @@
           <a:lstStyle/>
           <a:p>
             <a:r>
-              <a:rPr lang="en-GB" altLang="en-US" smtClean="0"/>
+              <a:rPr lang="en-GB" altLang="en-US"/>
               <a:t>Volkswagen Vision</a:t>
             </a:r>
           </a:p>
@@ -6427,16 +6330,16 @@
           <a:lstStyle/>
           <a:p>
             <a:r>
-              <a:rPr lang="en-GB" altLang="en-US" smtClean="0"/>
+              <a:rPr lang="en-GB" altLang="en-US"/>
               <a:t>In 2013, it stated …</a:t>
             </a:r>
           </a:p>
           <a:p>
             <a:r>
-              <a:rPr lang="en-GB" altLang="en-US" b="1" smtClean="0"/>
+              <a:rPr lang="en-GB" altLang="en-US" b="1"/>
               <a:t>“The Group’s goal is to offer attractive, safe and environmentally sound vehicles which can compete in an increasingly tough market and set world standards in their respective class.”</a:t>
             </a:r>
-            <a:endParaRPr lang="en-GB" altLang="en-US" smtClean="0"/>
+            <a:endParaRPr lang="en-GB" altLang="en-US"/>
           </a:p>
         </p:txBody>
       </p:sp>
@@ -6678,11 +6581,11 @@
           <a:p>
             <a:pPr eaLnBrk="1" hangingPunct="1"/>
             <a:r>
-              <a:rPr lang="en-GB" altLang="en-US" sz="2400" smtClean="0"/>
+              <a:rPr lang="en-GB" altLang="en-US" sz="2400"/>
               <a:t>Last Week …</a:t>
             </a:r>
             <a:r>
-              <a:rPr lang="en-GB" altLang="en-US" sz="4400" smtClean="0"/>
+              <a:rPr lang="en-GB" altLang="en-US" sz="4400"/>
               <a:t>A Strategy Life-Cycle</a:t>
             </a:r>
           </a:p>
@@ -6704,7 +6607,7 @@
           <a:graphicData uri="http://schemas.openxmlformats.org/presentationml/2006/ole">
             <mc:AlternateContent xmlns:mc="http://schemas.openxmlformats.org/markup-compatibility/2006">
               <mc:Choice xmlns:v="urn:schemas-microsoft-com:vml" Requires="v">
-                <p:oleObj spid="_x0000_s1060" name="Clip" r:id="rId3" imgW="3368675" imgH="3314700" progId="MS_ClipArt_Gallery.2">
+                <p:oleObj spid="_x0000_s1064" name="Clip" r:id="rId3" imgW="3368675" imgH="3314700" progId="MS_ClipArt_Gallery.2">
                   <p:embed/>
                 </p:oleObj>
               </mc:Choice>
@@ -10925,7 +10828,7 @@
           <a:graphicData uri="http://schemas.openxmlformats.org/presentationml/2006/ole">
             <mc:AlternateContent xmlns:mc="http://schemas.openxmlformats.org/markup-compatibility/2006">
               <mc:Choice xmlns:v="urn:schemas-microsoft-com:vml" Requires="v">
-                <p:oleObj spid="_x0000_s1061" name="Clip" r:id="rId6" imgW="3709988" imgH="2963863" progId="MS_ClipArt_Gallery.2">
+                <p:oleObj spid="_x0000_s1065" name="Clip" r:id="rId6" imgW="3709988" imgH="2963863" progId="MS_ClipArt_Gallery.2">
                   <p:embed/>
                 </p:oleObj>
               </mc:Choice>
@@ -12733,13 +12636,6 @@
   <p:clrMapOvr>
     <a:masterClrMapping/>
   </p:clrMapOvr>
-  <p:timing>
-    <p:tnLst>
-      <p:par>
-        <p:cTn id="1" dur="indefinite" restart="never" nodeType="tmRoot"/>
-      </p:par>
-    </p:tnLst>
-  </p:timing>
 </p:sld>
 </file>
 
@@ -12781,7 +12677,7 @@
           <a:lstStyle/>
           <a:p>
             <a:r>
-              <a:rPr lang="en-GB" altLang="en-US" smtClean="0"/>
+              <a:rPr lang="en-GB" altLang="en-US"/>
               <a:t>Vision &amp; Strategy</a:t>
             </a:r>
           </a:p>
@@ -12808,35 +12704,35 @@
           <a:lstStyle/>
           <a:p>
             <a:r>
-              <a:rPr lang="en-GB" altLang="en-US" smtClean="0"/>
+              <a:rPr lang="en-GB" altLang="en-US"/>
               <a:t>So the vision is the goal and the strategy is the plan to get there.  </a:t>
             </a:r>
           </a:p>
           <a:p>
             <a:r>
-              <a:rPr lang="en-GB" altLang="en-US" b="1" smtClean="0"/>
+              <a:rPr lang="en-GB" altLang="en-US" b="1"/>
               <a:t>Everything about the company depends on the vision and strategy</a:t>
             </a:r>
             <a:r>
-              <a:rPr lang="en-GB" altLang="en-US" smtClean="0"/>
+              <a:rPr lang="en-GB" altLang="en-US"/>
               <a:t>. </a:t>
             </a:r>
             <a:r>
-              <a:rPr lang="en-GB" altLang="en-US" sz="1800" smtClean="0"/>
+              <a:rPr lang="en-GB" altLang="en-US" sz="1800"/>
               <a:t> </a:t>
             </a:r>
           </a:p>
           <a:p>
             <a:pPr lvl="1"/>
             <a:r>
-              <a:rPr lang="en-GB" altLang="en-US" sz="1600" smtClean="0"/>
+              <a:rPr lang="en-GB" altLang="en-US" sz="1600"/>
               <a:t>If the company's vision is to be “the world's lowest cost provider of Widget X”, then strategies have to be put in place to single-mindedly cut costs from the development, production, and delivery of Widget X.  That doesn't mean that the company itself can't spend a lot of money achieving its vision.  Maybe they have a huge R&amp;D department dedicated to finding ways to make cheaper Widgets.  But it does mean that if you, as an employee, come up with a way to make an improved Widget X with more features, it will be considered 'off-strategy'.  The vision isn't to make better Widgets, and it isn't to make them higher quality, or last longer.  Build a cheaper Widget X and you'll be a hero.  That's what matters.</a:t>
             </a:r>
           </a:p>
           <a:p>
             <a:pPr lvl="1"/>
             <a:r>
-              <a:rPr lang="en-GB" altLang="en-US" sz="1600" smtClean="0"/>
+              <a:rPr lang="en-GB" altLang="en-US" sz="1600"/>
               <a:t>Doug Kalish, 2015, http://www.dougsguides.com</a:t>
             </a:r>
           </a:p>
@@ -12847,13 +12743,6 @@
   <p:clrMapOvr>
     <a:masterClrMapping/>
   </p:clrMapOvr>
-  <p:timing>
-    <p:tnLst>
-      <p:par>
-        <p:cTn id="1" dur="indefinite" restart="never" nodeType="tmRoot"/>
-      </p:par>
-    </p:tnLst>
-  </p:timing>
 </p:sld>
 </file>
 
@@ -12895,10 +12784,10 @@
           <a:lstStyle/>
           <a:p>
             <a:r>
-              <a:rPr lang="en-GB" altLang="en-US" b="1" smtClean="0"/>
+              <a:rPr lang="en-GB" altLang="en-US" b="1"/>
               <a:t>Do Strategies Change?</a:t>
             </a:r>
-            <a:endParaRPr lang="en-GB" altLang="en-US" smtClean="0"/>
+            <a:endParaRPr lang="en-GB" altLang="en-US"/>
           </a:p>
         </p:txBody>
       </p:sp>
@@ -12923,39 +12812,39 @@
           <a:lstStyle/>
           <a:p>
             <a:r>
-              <a:rPr lang="en-GB" altLang="en-US" sz="1800" smtClean="0"/>
+              <a:rPr lang="en-GB" altLang="en-US" sz="1800"/>
               <a:t>Of course, </a:t>
             </a:r>
             <a:r>
-              <a:rPr lang="en-GB" altLang="en-US" sz="1800" b="1" smtClean="0"/>
+              <a:rPr lang="en-GB" altLang="en-US" sz="1800" b="1"/>
               <a:t>sometimes companies adopt the wrong strategy</a:t>
             </a:r>
             <a:r>
-              <a:rPr lang="en-GB" altLang="en-US" sz="1800" smtClean="0"/>
+              <a:rPr lang="en-GB" altLang="en-US" sz="1800"/>
               <a:t>.  </a:t>
             </a:r>
           </a:p>
           <a:p>
             <a:r>
-              <a:rPr lang="en-GB" altLang="en-US" sz="1800" smtClean="0"/>
+              <a:rPr lang="en-GB" altLang="en-US" sz="1800"/>
               <a:t>Before the days of iTunes, record companies resisted every attempt to distribute digital music, even going so far as to sue consumers of their products.  They were trying to protect the highly lucrative and profitable CD business.  Unfortunately, it was so easy to rip and distribute music that none of the protections they put in place worked.  </a:t>
             </a:r>
           </a:p>
           <a:p>
             <a:r>
-              <a:rPr lang="en-GB" altLang="en-US" sz="1800" smtClean="0"/>
+              <a:rPr lang="en-GB" altLang="en-US" sz="1800"/>
               <a:t>Enter Steve Jobs and Apple who created a marketplace for digital music.  The record producers had to join in, CD sales went off a cliff, and now Apple gets a huge cut of every song sold through iTunes.  </a:t>
             </a:r>
           </a:p>
           <a:p>
             <a:r>
-              <a:rPr lang="en-GB" altLang="en-US" sz="1800" smtClean="0"/>
+              <a:rPr lang="en-GB" altLang="en-US" sz="1800"/>
               <a:t>Could the record companies have developed their own marketplace so that they wouldn't have to share the revenue with Apple?  </a:t>
             </a:r>
           </a:p>
           <a:p>
             <a:r>
-              <a:rPr lang="en-GB" altLang="en-US" sz="1800" smtClean="0"/>
+              <a:rPr lang="en-GB" altLang="en-US" sz="1800"/>
               <a:t>Maybe, but their strategy was to protect what was in essence an un-protectable business.</a:t>
             </a:r>
           </a:p>
@@ -13285,7 +13174,7 @@
           <a:lstStyle/>
           <a:p>
             <a:r>
-              <a:rPr lang="en-GB" altLang="en-US" sz="4800" smtClean="0"/>
+              <a:rPr lang="en-GB" altLang="en-US" sz="4800"/>
               <a:t>Evolving Visions &amp; Strategies</a:t>
             </a:r>
           </a:p>
@@ -13312,35 +13201,35 @@
           <a:lstStyle/>
           <a:p>
             <a:r>
-              <a:rPr lang="en-GB" altLang="en-US" b="1" smtClean="0"/>
+              <a:rPr lang="en-GB" altLang="en-US" b="1"/>
               <a:t>The business world is littered with failed strategies.</a:t>
             </a:r>
             <a:r>
-              <a:rPr lang="en-GB" altLang="en-US" smtClean="0"/>
+              <a:rPr lang="en-GB" altLang="en-US"/>
               <a:t>  </a:t>
             </a:r>
           </a:p>
           <a:p>
             <a:pPr lvl="1"/>
             <a:r>
-              <a:rPr lang="en-GB" altLang="en-US" smtClean="0"/>
+              <a:rPr lang="en-GB" altLang="en-US"/>
               <a:t>Technology changes, customers demand something different, cheaper and better competitors show up - lots of internal and external events can challenge the business strategy.  The best companies review the strategy early and often.  </a:t>
             </a:r>
           </a:p>
           <a:p>
             <a:r>
-              <a:rPr lang="en-GB" altLang="en-US" b="1" smtClean="0"/>
+              <a:rPr lang="en-GB" altLang="en-US" b="1"/>
               <a:t>How do you know if you have the right strategy?</a:t>
             </a:r>
             <a:r>
-              <a:rPr lang="en-GB" altLang="en-US" smtClean="0"/>
+              <a:rPr lang="en-GB" altLang="en-US"/>
               <a:t>  </a:t>
             </a:r>
           </a:p>
           <a:p>
             <a:pPr lvl="1"/>
             <a:r>
-              <a:rPr lang="en-GB" altLang="en-US" smtClean="0"/>
+              <a:rPr lang="en-GB" altLang="en-US"/>
               <a:t>Go back to the vision and figure out what has to happen to make the vision come true.  Some of it is guesswork and optimism.  But no business ever succeeded without a strategy.</a:t>
             </a:r>
           </a:p>
@@ -13351,13 +13240,6 @@
   <p:clrMapOvr>
     <a:masterClrMapping/>
   </p:clrMapOvr>
-  <p:timing>
-    <p:tnLst>
-      <p:par>
-        <p:cTn id="1" dur="indefinite" restart="never" nodeType="tmRoot"/>
-      </p:par>
-    </p:tnLst>
-  </p:timing>
 </p:sld>
 </file>
 
@@ -13399,7 +13281,7 @@
           <a:lstStyle/>
           <a:p>
             <a:r>
-              <a:rPr lang="en-GB" altLang="en-US" sz="4800" smtClean="0"/>
+              <a:rPr lang="en-GB" altLang="en-US" sz="4800"/>
               <a:t>Ever Changing Strategies …</a:t>
             </a:r>
           </a:p>
@@ -13426,22 +13308,22 @@
           <a:lstStyle/>
           <a:p>
             <a:r>
-              <a:rPr lang="en-GB" altLang="en-US" sz="1800" smtClean="0"/>
+              <a:rPr lang="en-GB" altLang="en-US" sz="1800"/>
               <a:t>A company starts out wanting to be the high quality, low volume, high price producer of widgets.  But nobody is buying. So they try to become the 'celebrity widget' and pay a lot of bucks to some aging movie star to endorse their widgets in an expensive ad campaign.  That makes the movie star rich but doesn't move widgets.  So they decide to sell mass-market widgets at a mid-level price, but there is already a lot of competition and they can't differentiate their widgets from anyone else's.  Then they find that nobody needs high quality widgets, the cheap ones are just as good.  So the company changes strategy to produce low cost widgets, but they find the market is full of cheap Chinese widgets.   Lastly, they try to license their 'superior' widget-making technology to the other manufacturers.  Doom.</a:t>
             </a:r>
           </a:p>
           <a:p>
             <a:pPr marL="273050" lvl="1"/>
             <a:r>
-              <a:rPr lang="en-GB" altLang="en-US" sz="1800" b="1" smtClean="0"/>
+              <a:rPr lang="en-GB" altLang="en-US" sz="1800" b="1"/>
               <a:t>Companies that change strategies over and over don't understand their markets, or can't explain the value of their products, or what problem their products solve for the customer</a:t>
             </a:r>
             <a:r>
-              <a:rPr lang="en-GB" altLang="en-US" sz="1800" smtClean="0"/>
+              <a:rPr lang="en-GB" altLang="en-US" sz="1800"/>
               <a:t>.  And changing strategy is expensive.   </a:t>
             </a:r>
             <a:r>
-              <a:rPr lang="en-GB" altLang="en-US" sz="1800" b="1" smtClean="0">
+              <a:rPr lang="en-GB" altLang="en-US" sz="1800" b="1">
                 <a:solidFill>
                   <a:srgbClr val="C00000"/>
                 </a:solidFill>
@@ -13449,7 +13331,7 @@
               <a:t>(</a:t>
             </a:r>
             <a:r>
-              <a:rPr lang="en-GB" altLang="en-US" sz="1600" b="1" smtClean="0">
+              <a:rPr lang="en-GB" altLang="en-US" sz="1600" b="1">
                 <a:solidFill>
                   <a:srgbClr val="C00000"/>
                 </a:solidFill>
@@ -13464,13 +13346,6 @@
   <p:clrMapOvr>
     <a:masterClrMapping/>
   </p:clrMapOvr>
-  <p:timing>
-    <p:tnLst>
-      <p:par>
-        <p:cTn id="1" dur="indefinite" restart="never" nodeType="tmRoot"/>
-      </p:par>
-    </p:tnLst>
-  </p:timing>
 </p:sld>
 </file>
 
@@ -13512,7 +13387,7 @@
           <a:lstStyle/>
           <a:p>
             <a:r>
-              <a:rPr lang="en-GB" altLang="en-US" smtClean="0"/>
+              <a:rPr lang="en-GB" altLang="en-US"/>
               <a:t>Environmental Analysis</a:t>
             </a:r>
           </a:p>
@@ -13539,20 +13414,20 @@
           <a:lstStyle/>
           <a:p>
             <a:r>
-              <a:rPr lang="en-GB" altLang="en-US" smtClean="0"/>
+              <a:rPr lang="en-GB" altLang="en-US"/>
               <a:t>How can an organisation respond to the Environmental Pressures it faces?</a:t>
             </a:r>
           </a:p>
           <a:p>
             <a:pPr lvl="1"/>
             <a:r>
-              <a:rPr lang="en-GB" altLang="en-US" smtClean="0"/>
+              <a:rPr lang="en-GB" altLang="en-US"/>
               <a:t>Firstly, it needs to identify the pressures and understand the competitive market powers.</a:t>
             </a:r>
           </a:p>
           <a:p>
             <a:r>
-              <a:rPr lang="en-GB" altLang="en-US" b="1" smtClean="0">
+              <a:rPr lang="en-GB" altLang="en-US" b="1">
                 <a:solidFill>
                   <a:srgbClr val="C00000"/>
                 </a:solidFill>
@@ -13560,24 +13435,24 @@
               <a:t>Porter’s Five Forces </a:t>
             </a:r>
             <a:r>
-              <a:rPr lang="en-GB" altLang="en-US" smtClean="0"/>
+              <a:rPr lang="en-GB" altLang="en-US"/>
               <a:t>model shows who has the power in a market. </a:t>
             </a:r>
           </a:p>
           <a:p>
             <a:pPr lvl="1"/>
             <a:r>
-              <a:rPr lang="en-GB" altLang="en-US" smtClean="0"/>
+              <a:rPr lang="en-GB" altLang="en-US"/>
               <a:t>Created by Michael Porter (Harvard Business School) </a:t>
             </a:r>
           </a:p>
           <a:p>
             <a:r>
-              <a:rPr lang="en-GB" altLang="en-US" smtClean="0"/>
+              <a:rPr lang="en-GB" altLang="en-US"/>
               <a:t>The model helps business managers to analyse the </a:t>
             </a:r>
             <a:r>
-              <a:rPr lang="en-GB" altLang="en-US" b="1" i="1" smtClean="0">
+              <a:rPr lang="en-GB" altLang="en-US" b="1" i="1">
                 <a:solidFill>
                   <a:srgbClr val="C00000"/>
                 </a:solidFill>
@@ -13585,7 +13460,7 @@
               <a:t>attractiveness</a:t>
             </a:r>
             <a:r>
-              <a:rPr lang="en-GB" altLang="en-US" smtClean="0">
+              <a:rPr lang="en-GB" altLang="en-US">
                 <a:solidFill>
                   <a:srgbClr val="C00000"/>
                 </a:solidFill>
@@ -13593,11 +13468,11 @@
               <a:t> </a:t>
             </a:r>
             <a:r>
-              <a:rPr lang="en-GB" altLang="en-US" smtClean="0"/>
+              <a:rPr lang="en-GB" altLang="en-US"/>
               <a:t>and </a:t>
             </a:r>
             <a:r>
-              <a:rPr lang="en-GB" altLang="en-US" b="1" i="1" smtClean="0">
+              <a:rPr lang="en-GB" altLang="en-US" b="1" i="1">
                 <a:solidFill>
                   <a:srgbClr val="C00000"/>
                 </a:solidFill>
@@ -13605,7 +13480,7 @@
               <a:t>potential profitability </a:t>
             </a:r>
             <a:r>
-              <a:rPr lang="en-GB" altLang="en-US" smtClean="0"/>
+              <a:rPr lang="en-GB" altLang="en-US"/>
               <a:t>of an industry sector. </a:t>
             </a:r>
           </a:p>
@@ -13899,7 +13774,7 @@
           <a:lstStyle/>
           <a:p>
             <a:r>
-              <a:rPr lang="en-GB" altLang="en-US" smtClean="0"/>
+              <a:rPr lang="en-GB" altLang="en-US"/>
               <a:t>Porter’s Five Forces</a:t>
             </a:r>
           </a:p>
@@ -13926,38 +13801,38 @@
           <a:lstStyle/>
           <a:p>
             <a:r>
-              <a:rPr lang="en-US" altLang="en-US" smtClean="0"/>
+              <a:rPr lang="en-US" altLang="en-US"/>
               <a:t>The Porter’s Five Forces tool can be very powerful. </a:t>
             </a:r>
           </a:p>
           <a:p>
             <a:r>
-              <a:rPr lang="en-US" altLang="en-US" smtClean="0"/>
+              <a:rPr lang="en-US" altLang="en-US"/>
               <a:t>It is a simple technique for judging exactly where power lies. As it helps to understand not only the strength of current competitive position but also the strength of an expected position.</a:t>
             </a:r>
           </a:p>
           <a:p>
             <a:r>
-              <a:rPr lang="en-US" altLang="en-US" smtClean="0"/>
+              <a:rPr lang="en-US" altLang="en-US"/>
               <a:t>It is a critical part of your planning process. If you gain a proper understanding of where the power lies, you can take advantage of the company’s strengths. You can also improve your firm’s weaknesses. </a:t>
             </a:r>
           </a:p>
           <a:p>
             <a:r>
-              <a:rPr lang="en-US" altLang="en-US" smtClean="0"/>
+              <a:rPr lang="en-US" altLang="en-US"/>
               <a:t>Overall, you will not take any wrong steps.</a:t>
             </a:r>
           </a:p>
           <a:p>
             <a:pPr lvl="1"/>
             <a:r>
-              <a:rPr lang="en-US" altLang="en-US" smtClean="0"/>
+              <a:rPr lang="en-US" altLang="en-US"/>
               <a:t>…provided you do your Research!</a:t>
             </a:r>
-            <a:endParaRPr lang="en-GB" altLang="en-US" smtClean="0"/>
-          </a:p>
-          <a:p>
-            <a:endParaRPr lang="en-GB" altLang="en-US" smtClean="0"/>
+            <a:endParaRPr lang="en-GB" altLang="en-US"/>
+          </a:p>
+          <a:p>
+            <a:endParaRPr lang="en-GB" altLang="en-US"/>
           </a:p>
         </p:txBody>
       </p:sp>
@@ -14674,7 +14549,7 @@
           <a:lstStyle/>
           <a:p>
             <a:r>
-              <a:rPr lang="en-GB" altLang="en-US" sz="4000" smtClean="0"/>
+              <a:rPr lang="en-GB" altLang="en-US" sz="4000"/>
               <a:t>1. Industry Rivalry</a:t>
             </a:r>
           </a:p>
@@ -14701,63 +14576,63 @@
           <a:lstStyle/>
           <a:p>
             <a:r>
-              <a:rPr lang="en-US" altLang="en-US" sz="2000" smtClean="0"/>
+              <a:rPr lang="en-US" altLang="en-US" sz="2000"/>
               <a:t>The critical thing to consider here is the number and capability of your business competitors. If there are many competitors and if they offer equally appealing products and services, you will perhaps have very little power. This is because suppliers and buyers will choose the competing companies if they do not like the deal you are offering.</a:t>
             </a:r>
-            <a:endParaRPr lang="en-GB" altLang="en-US" sz="2000" smtClean="0"/>
-          </a:p>
-          <a:p>
-            <a:r>
-              <a:rPr lang="en-US" altLang="en-US" sz="2000" smtClean="0"/>
+            <a:endParaRPr lang="en-GB" altLang="en-US" sz="2000"/>
+          </a:p>
+          <a:p>
+            <a:r>
+              <a:rPr lang="en-US" altLang="en-US" sz="2000"/>
               <a:t>You will be very powerful if your product or service is unique. If competitors cannot offer what you provide, you will have immense strength. In short, the factors to be considered in this step are:</a:t>
             </a:r>
-            <a:endParaRPr lang="en-GB" altLang="en-US" sz="2000" smtClean="0"/>
+            <a:endParaRPr lang="en-GB" altLang="en-US" sz="2000"/>
           </a:p>
           <a:p>
             <a:pPr lvl="1"/>
             <a:r>
-              <a:rPr lang="en-US" altLang="en-US" sz="1800" smtClean="0"/>
+              <a:rPr lang="en-US" altLang="en-US" sz="1800"/>
               <a:t>The number of competitors;</a:t>
             </a:r>
-            <a:endParaRPr lang="en-GB" altLang="en-US" sz="1800" smtClean="0"/>
+            <a:endParaRPr lang="en-GB" altLang="en-US" sz="1800"/>
           </a:p>
           <a:p>
             <a:pPr lvl="1"/>
             <a:r>
-              <a:rPr lang="en-US" altLang="en-US" sz="1800" smtClean="0"/>
+              <a:rPr lang="en-US" altLang="en-US" sz="1800"/>
               <a:t>The quality difference between your product and competitor’s product;</a:t>
             </a:r>
           </a:p>
           <a:p>
             <a:pPr lvl="1"/>
             <a:r>
-              <a:rPr lang="en-US" altLang="en-US" sz="1800" smtClean="0"/>
+              <a:rPr lang="en-US" altLang="en-US" sz="1800"/>
               <a:t>High Fixed Costs (e.g. bricks and mortar facilities);</a:t>
             </a:r>
-            <a:endParaRPr lang="en-GB" altLang="en-US" sz="1800" smtClean="0"/>
+            <a:endParaRPr lang="en-GB" altLang="en-US" sz="1800"/>
           </a:p>
           <a:p>
             <a:pPr lvl="1"/>
             <a:r>
-              <a:rPr lang="en-US" altLang="en-US" sz="1800" smtClean="0"/>
+              <a:rPr lang="en-US" altLang="en-US" sz="1800"/>
               <a:t>Switching costs involved for suppliers and buyers;</a:t>
             </a:r>
-            <a:endParaRPr lang="en-GB" altLang="en-US" sz="1800" smtClean="0"/>
+            <a:endParaRPr lang="en-GB" altLang="en-US" sz="1800"/>
           </a:p>
           <a:p>
             <a:pPr lvl="1"/>
             <a:r>
-              <a:rPr lang="en-US" altLang="en-US" sz="1800" smtClean="0"/>
+              <a:rPr lang="en-US" altLang="en-US" sz="1800"/>
               <a:t>Customer loyalty;</a:t>
             </a:r>
           </a:p>
           <a:p>
             <a:pPr lvl="1"/>
             <a:r>
-              <a:rPr lang="en-US" altLang="en-US" sz="1800" smtClean="0"/>
+              <a:rPr lang="en-US" altLang="en-US" sz="1800"/>
               <a:t>Growth Rate of the Industry.</a:t>
             </a:r>
-            <a:endParaRPr lang="en-GB" altLang="en-US" sz="1800" smtClean="0"/>
+            <a:endParaRPr lang="en-GB" altLang="en-US" sz="1800"/>
           </a:p>
         </p:txBody>
       </p:sp>
@@ -15329,7 +15204,7 @@
           <a:p>
             <a:pPr eaLnBrk="1" hangingPunct="1"/>
             <a:r>
-              <a:rPr lang="en-GB" altLang="en-US" smtClean="0"/>
+              <a:rPr lang="en-GB" altLang="en-US"/>
               <a:t>Strategy Initiation</a:t>
             </a:r>
           </a:p>
@@ -15357,63 +15232,63 @@
           <a:p>
             <a:pPr marL="457200" lvl="1" indent="-457200" eaLnBrk="1" hangingPunct="1"/>
             <a:r>
-              <a:rPr lang="en-US" altLang="en-US" sz="2400" smtClean="0"/>
+              <a:rPr lang="en-US" altLang="en-US" sz="2400"/>
               <a:t>The initial phase of strategic planning in which the business examines itself and its environment.</a:t>
             </a:r>
           </a:p>
           <a:p>
             <a:pPr marL="731838" lvl="2" indent="-457200" eaLnBrk="1" hangingPunct="1"/>
             <a:r>
-              <a:rPr lang="en-US" altLang="en-US" smtClean="0"/>
+              <a:rPr lang="en-US" altLang="en-US"/>
               <a:t>Vision, Environmental and Capability Analyses.</a:t>
             </a:r>
           </a:p>
           <a:p>
             <a:pPr marL="731838" lvl="2" indent="-457200" eaLnBrk="1" hangingPunct="1"/>
             <a:r>
-              <a:rPr lang="en-US" altLang="en-US" smtClean="0"/>
+              <a:rPr lang="en-US" altLang="en-US"/>
               <a:t>Outcomes include:</a:t>
             </a:r>
           </a:p>
           <a:p>
             <a:pPr marL="1006475" lvl="3" indent="-457200" eaLnBrk="1" hangingPunct="1"/>
             <a:r>
-              <a:rPr lang="en-US" altLang="en-US" smtClean="0"/>
+              <a:rPr lang="en-US" altLang="en-US"/>
               <a:t>Value Proposition</a:t>
             </a:r>
           </a:p>
           <a:p>
             <a:pPr marL="1235075" lvl="4" indent="-457200" eaLnBrk="1" hangingPunct="1"/>
             <a:r>
-              <a:rPr lang="en-US" altLang="en-US" smtClean="0"/>
+              <a:rPr lang="en-US" altLang="en-US"/>
               <a:t>The benefit that a company’s products or services provide to customers; the consumer need that is being fulfilled</a:t>
             </a:r>
           </a:p>
           <a:p>
             <a:pPr marL="1006475" lvl="3" indent="-457200" eaLnBrk="1" hangingPunct="1"/>
             <a:r>
-              <a:rPr lang="en-US" altLang="en-US" smtClean="0"/>
+              <a:rPr lang="en-US" altLang="en-US"/>
               <a:t>Core competencies</a:t>
             </a:r>
           </a:p>
           <a:p>
             <a:pPr marL="1006475" lvl="3" indent="-457200" eaLnBrk="1" hangingPunct="1"/>
             <a:r>
-              <a:rPr lang="en-US" altLang="en-US" smtClean="0"/>
+              <a:rPr lang="en-US" altLang="en-US"/>
               <a:t>Forecasts</a:t>
             </a:r>
           </a:p>
           <a:p>
             <a:pPr marL="1006475" lvl="3" indent="-457200" eaLnBrk="1" hangingPunct="1"/>
             <a:r>
-              <a:rPr lang="en-US" altLang="en-US" smtClean="0"/>
+              <a:rPr lang="en-US" altLang="en-US"/>
               <a:t>Competitor (industry) analysis</a:t>
             </a:r>
           </a:p>
           <a:p>
             <a:pPr marL="1006475" lvl="3" indent="-457200" eaLnBrk="1" hangingPunct="1"/>
             <a:r>
-              <a:rPr lang="en-US" altLang="en-US" smtClean="0"/>
+              <a:rPr lang="en-US" altLang="en-US"/>
               <a:t>Business Environment Pressures</a:t>
             </a:r>
           </a:p>
@@ -16335,13 +16210,6 @@
   <p:clrMapOvr>
     <a:masterClrMapping/>
   </p:clrMapOvr>
-  <p:timing>
-    <p:tnLst>
-      <p:par>
-        <p:cTn id="1" dur="indefinite" restart="never" nodeType="tmRoot"/>
-      </p:par>
-    </p:tnLst>
-  </p:timing>
 </p:sld>
 </file>
 
@@ -16383,7 +16251,7 @@
           <a:lstStyle/>
           <a:p>
             <a:r>
-              <a:rPr lang="en-GB" altLang="en-US" sz="4000" smtClean="0"/>
+              <a:rPr lang="en-GB" altLang="en-US" sz="4000"/>
               <a:t>1. Industry Rivalry</a:t>
             </a:r>
           </a:p>
@@ -16502,13 +16370,6 @@
   <p:clrMapOvr>
     <a:masterClrMapping/>
   </p:clrMapOvr>
-  <p:timing>
-    <p:tnLst>
-      <p:par>
-        <p:cTn id="1" dur="indefinite" restart="never" nodeType="tmRoot"/>
-      </p:par>
-    </p:tnLst>
-  </p:timing>
 </p:sld>
 </file>
 
@@ -16550,72 +16411,72 @@
           <a:lstStyle/>
           <a:p>
             <a:r>
-              <a:rPr lang="en-US" altLang="en-US" sz="2000" smtClean="0"/>
+              <a:rPr lang="en-US" altLang="en-US" sz="2000"/>
               <a:t>Others ability to enter the market can affect power.</a:t>
             </a:r>
           </a:p>
           <a:p>
             <a:r>
-              <a:rPr lang="en-US" altLang="en-US" sz="2000" smtClean="0"/>
+              <a:rPr lang="en-US" altLang="en-US" sz="2000"/>
               <a:t>New businesses can swiftly enter the market and weaken your position (especially e-Commerce services). </a:t>
             </a:r>
           </a:p>
           <a:p>
             <a:r>
-              <a:rPr lang="en-US" altLang="en-US" sz="2000" smtClean="0"/>
+              <a:rPr lang="en-US" altLang="en-US" sz="2000"/>
               <a:t>Depends if the market has strong and durable barriers to entry – may help you maintain a favourable position.</a:t>
             </a:r>
-            <a:endParaRPr lang="en-GB" altLang="en-US" sz="2000" smtClean="0"/>
-          </a:p>
-          <a:p>
-            <a:r>
-              <a:rPr lang="en-US" altLang="en-US" sz="2000" smtClean="0"/>
+            <a:endParaRPr lang="en-GB" altLang="en-US" sz="2000"/>
+          </a:p>
+          <a:p>
+            <a:r>
+              <a:rPr lang="en-US" altLang="en-US" sz="2000"/>
               <a:t>Issues include</a:t>
             </a:r>
             <a:r>
-              <a:rPr lang="en-US" altLang="en-US" smtClean="0"/>
+              <a:rPr lang="en-US" altLang="en-US"/>
               <a:t>:</a:t>
             </a:r>
-            <a:endParaRPr lang="en-GB" altLang="en-US" smtClean="0"/>
+            <a:endParaRPr lang="en-GB" altLang="en-US"/>
           </a:p>
           <a:p>
             <a:pPr lvl="1"/>
             <a:r>
-              <a:rPr lang="en-US" altLang="en-US" sz="1800" smtClean="0"/>
+              <a:rPr lang="en-US" altLang="en-US" sz="1800"/>
               <a:t>Time and cost of entering the market and competing;</a:t>
             </a:r>
           </a:p>
           <a:p>
             <a:pPr lvl="1"/>
             <a:r>
-              <a:rPr lang="en-US" altLang="en-US" sz="1800" smtClean="0"/>
+              <a:rPr lang="en-US" altLang="en-US" sz="1800"/>
               <a:t>Trust and Brand Loyalty;</a:t>
             </a:r>
-            <a:endParaRPr lang="en-GB" altLang="en-US" sz="1800" smtClean="0"/>
+            <a:endParaRPr lang="en-GB" altLang="en-US" sz="1800"/>
           </a:p>
           <a:p>
             <a:pPr lvl="1"/>
             <a:r>
-              <a:rPr lang="en-US" altLang="en-US" sz="1800" smtClean="0"/>
+              <a:rPr lang="en-US" altLang="en-US" sz="1800"/>
               <a:t>Economies of scale (Costs with respect to scale of output);</a:t>
             </a:r>
-            <a:endParaRPr lang="en-GB" altLang="en-US" sz="1800" smtClean="0"/>
+            <a:endParaRPr lang="en-GB" altLang="en-US" sz="1800"/>
           </a:p>
           <a:p>
             <a:pPr lvl="1"/>
             <a:r>
-              <a:rPr lang="en-US" altLang="en-US" sz="1800" smtClean="0"/>
+              <a:rPr lang="en-US" altLang="en-US" sz="1800"/>
               <a:t>The amount of protection for the key technologies (e.g. IPR).</a:t>
             </a:r>
-            <a:endParaRPr lang="en-GB" altLang="en-US" sz="1800" smtClean="0"/>
+            <a:endParaRPr lang="en-GB" altLang="en-US" sz="1800"/>
           </a:p>
           <a:p>
             <a:pPr lvl="1"/>
             <a:r>
-              <a:rPr lang="en-US" altLang="en-US" sz="1800" smtClean="0"/>
+              <a:rPr lang="en-US" altLang="en-US" sz="1800"/>
               <a:t>Deterrents – High Switching Costs; Stickiness of a Web Site; etc.</a:t>
             </a:r>
-            <a:endParaRPr lang="en-GB" altLang="en-US" sz="1800" smtClean="0"/>
+            <a:endParaRPr lang="en-GB" altLang="en-US" sz="1800"/>
           </a:p>
         </p:txBody>
       </p:sp>
@@ -16640,7 +16501,7 @@
           <a:lstStyle/>
           <a:p>
             <a:r>
-              <a:rPr lang="en-GB" altLang="en-US" sz="4000" smtClean="0"/>
+              <a:rPr lang="en-GB" altLang="en-US" sz="4000"/>
               <a:t>2. Threat of New Entrants</a:t>
             </a:r>
           </a:p>
@@ -17076,7 +16937,7 @@
           <a:lstStyle/>
           <a:p>
             <a:r>
-              <a:rPr lang="en-GB" altLang="en-US" sz="4000" smtClean="0"/>
+              <a:rPr lang="en-GB" altLang="en-US" sz="4000"/>
               <a:t>2. Threat of New Entrants</a:t>
             </a:r>
           </a:p>
@@ -17141,13 +17002,6 @@
   <p:clrMapOvr>
     <a:masterClrMapping/>
   </p:clrMapOvr>
-  <p:timing>
-    <p:tnLst>
-      <p:par>
-        <p:cTn id="1" dur="indefinite" restart="never" nodeType="tmRoot"/>
-      </p:par>
-    </p:tnLst>
-  </p:timing>
 </p:sld>
 </file>
 
@@ -17189,82 +17043,82 @@
           <a:lstStyle/>
           <a:p>
             <a:r>
-              <a:rPr lang="en-US" altLang="en-US" sz="2000" smtClean="0"/>
+              <a:rPr lang="en-US" altLang="en-US" sz="2000"/>
               <a:t>The ability of consumers to find an alternative product that serve essentially the same or similar purpose. </a:t>
             </a:r>
           </a:p>
           <a:p>
             <a:r>
-              <a:rPr lang="en-US" altLang="en-US" sz="2000" smtClean="0"/>
+              <a:rPr lang="en-US" altLang="en-US" sz="2000"/>
               <a:t>Issues include:</a:t>
             </a:r>
           </a:p>
           <a:p>
             <a:pPr lvl="1"/>
             <a:r>
-              <a:rPr lang="en-US" altLang="en-US" sz="1800" smtClean="0"/>
+              <a:rPr lang="en-US" altLang="en-US" sz="1800"/>
               <a:t>Price Comparison Websites (in your market place? Yet?);</a:t>
             </a:r>
           </a:p>
           <a:p>
             <a:pPr lvl="1"/>
             <a:r>
-              <a:rPr lang="en-US" altLang="en-US" sz="1800" smtClean="0"/>
+              <a:rPr lang="en-US" altLang="en-US" sz="1800"/>
               <a:t>Performance of the substitute product / service;</a:t>
             </a:r>
-            <a:endParaRPr lang="en-GB" altLang="en-US" sz="1800" smtClean="0"/>
+            <a:endParaRPr lang="en-GB" altLang="en-US" sz="1800"/>
           </a:p>
           <a:p>
             <a:pPr lvl="1"/>
             <a:r>
-              <a:rPr lang="en-US" altLang="en-US" sz="1800" smtClean="0"/>
+              <a:rPr lang="en-US" altLang="en-US" sz="1800"/>
               <a:t>Cost of change;</a:t>
             </a:r>
           </a:p>
           <a:p>
             <a:r>
-              <a:rPr lang="en-US" altLang="en-US" sz="2000" smtClean="0"/>
+              <a:rPr lang="en-US" altLang="en-US" sz="2000"/>
               <a:t>Consider Microsoft – dominant player in S/W for PCs and Laptops</a:t>
             </a:r>
           </a:p>
           <a:p>
             <a:pPr lvl="1"/>
             <a:r>
-              <a:rPr lang="en-US" altLang="en-US" sz="1800" smtClean="0"/>
+              <a:rPr lang="en-US" altLang="en-US" sz="1800"/>
               <a:t>Facing big competition from tablets, mobile devices and smartphones that now provide many of the same functionalities as traditional PCs</a:t>
             </a:r>
           </a:p>
           <a:p>
             <a:pPr lvl="2"/>
             <a:r>
-              <a:rPr lang="en-US" altLang="en-US" sz="1600" smtClean="0"/>
+              <a:rPr lang="en-US" altLang="en-US" sz="1600"/>
               <a:t>… the software for which is not primarily Microsoft-based.</a:t>
             </a:r>
           </a:p>
           <a:p>
             <a:pPr lvl="1"/>
             <a:r>
-              <a:rPr lang="en-US" altLang="en-US" sz="1800" smtClean="0"/>
+              <a:rPr lang="en-US" altLang="en-US" sz="1800"/>
               <a:t>Microsoft Tablets, e.g. Surface Pro</a:t>
             </a:r>
           </a:p>
           <a:p>
             <a:pPr lvl="1"/>
             <a:r>
-              <a:rPr lang="en-US" altLang="en-US" sz="1800" smtClean="0"/>
+              <a:rPr lang="en-US" altLang="en-US" sz="1800"/>
               <a:t>Microsoft Smartphones and Phablets, e.g. Lumia</a:t>
             </a:r>
           </a:p>
           <a:p>
             <a:pPr lvl="1"/>
             <a:r>
-              <a:rPr lang="en-US" altLang="en-US" sz="1800" smtClean="0"/>
+              <a:rPr lang="en-US" altLang="en-US" sz="1800"/>
               <a:t>Microsoft Band (watch, health &amp; fitness monitor, etc.).</a:t>
             </a:r>
-            <a:endParaRPr lang="en-GB" altLang="en-US" sz="1800" smtClean="0"/>
-          </a:p>
-          <a:p>
-            <a:endParaRPr lang="en-GB" altLang="en-US" smtClean="0"/>
+            <a:endParaRPr lang="en-GB" altLang="en-US" sz="1800"/>
+          </a:p>
+          <a:p>
+            <a:endParaRPr lang="en-GB" altLang="en-US"/>
           </a:p>
         </p:txBody>
       </p:sp>
@@ -17289,7 +17143,7 @@
           <a:lstStyle/>
           <a:p>
             <a:r>
-              <a:rPr lang="en-GB" altLang="en-US" sz="3200" smtClean="0"/>
+              <a:rPr lang="en-GB" altLang="en-US" sz="3200"/>
               <a:t>3. Threat of Substitute Products &amp; Services</a:t>
             </a:r>
           </a:p>
@@ -17769,7 +17623,7 @@
           <a:lstStyle/>
           <a:p>
             <a:r>
-              <a:rPr lang="en-GB" altLang="en-US" sz="3200" smtClean="0"/>
+              <a:rPr lang="en-GB" altLang="en-US" sz="3200"/>
               <a:t>3. Threat of Substitute Products &amp; Services</a:t>
             </a:r>
           </a:p>
@@ -17888,13 +17742,6 @@
   <p:clrMapOvr>
     <a:masterClrMapping/>
   </p:clrMapOvr>
-  <p:timing>
-    <p:tnLst>
-      <p:par>
-        <p:cTn id="1" dur="indefinite" restart="never" nodeType="tmRoot"/>
-      </p:par>
-    </p:tnLst>
-  </p:timing>
 </p:sld>
 </file>
 
@@ -17936,58 +17783,58 @@
           <a:lstStyle/>
           <a:p>
             <a:r>
-              <a:rPr lang="en-US" altLang="en-US" smtClean="0"/>
+              <a:rPr lang="en-US" altLang="en-US"/>
               <a:t>Often, the first step is to assess how easy it is for the suppliers to increase prices of inputs. </a:t>
             </a:r>
           </a:p>
           <a:p>
             <a:r>
-              <a:rPr lang="en-US" altLang="en-US" smtClean="0"/>
+              <a:rPr lang="en-US" altLang="en-US"/>
               <a:t>This depends on the following factors:</a:t>
             </a:r>
-            <a:endParaRPr lang="en-GB" altLang="en-US" smtClean="0"/>
+            <a:endParaRPr lang="en-GB" altLang="en-US"/>
           </a:p>
           <a:p>
             <a:pPr lvl="1"/>
             <a:r>
-              <a:rPr lang="en-US" altLang="en-US" smtClean="0"/>
+              <a:rPr lang="en-US" altLang="en-US"/>
               <a:t>The number of suppliers of the key input</a:t>
             </a:r>
-            <a:endParaRPr lang="en-GB" altLang="en-US" smtClean="0"/>
+            <a:endParaRPr lang="en-GB" altLang="en-US"/>
           </a:p>
           <a:p>
             <a:pPr lvl="1"/>
             <a:r>
-              <a:rPr lang="en-US" altLang="en-US" smtClean="0"/>
+              <a:rPr lang="en-US" altLang="en-US"/>
               <a:t>How unique their product or service is</a:t>
             </a:r>
-            <a:endParaRPr lang="en-GB" altLang="en-US" smtClean="0"/>
+            <a:endParaRPr lang="en-GB" altLang="en-US"/>
           </a:p>
           <a:p>
             <a:pPr lvl="1"/>
             <a:r>
-              <a:rPr lang="en-US" altLang="en-US" smtClean="0"/>
+              <a:rPr lang="en-US" altLang="en-US"/>
               <a:t>Their strengths and how much control they have over you</a:t>
             </a:r>
-            <a:endParaRPr lang="en-GB" altLang="en-US" smtClean="0"/>
+            <a:endParaRPr lang="en-GB" altLang="en-US"/>
           </a:p>
           <a:p>
             <a:pPr lvl="1"/>
             <a:r>
-              <a:rPr lang="en-US" altLang="en-US" smtClean="0"/>
+              <a:rPr lang="en-US" altLang="en-US"/>
               <a:t>The cost of switching from one to another</a:t>
             </a:r>
-            <a:endParaRPr lang="en-GB" altLang="en-US" smtClean="0"/>
-          </a:p>
-          <a:p>
-            <a:r>
-              <a:rPr lang="en-US" altLang="en-US" smtClean="0"/>
+            <a:endParaRPr lang="en-GB" altLang="en-US"/>
+          </a:p>
+          <a:p>
+            <a:r>
+              <a:rPr lang="en-US" altLang="en-US"/>
               <a:t>Fewer number of supplier choices means you need suppliers’ help more. This also means that fewer suppliers make them more powerful.</a:t>
             </a:r>
-            <a:endParaRPr lang="en-GB" altLang="en-US" smtClean="0"/>
-          </a:p>
-          <a:p>
-            <a:endParaRPr lang="en-GB" altLang="en-US" smtClean="0"/>
+            <a:endParaRPr lang="en-GB" altLang="en-US"/>
+          </a:p>
+          <a:p>
+            <a:endParaRPr lang="en-GB" altLang="en-US"/>
           </a:p>
         </p:txBody>
       </p:sp>
@@ -18012,7 +17859,7 @@
           <a:lstStyle/>
           <a:p>
             <a:r>
-              <a:rPr lang="en-GB" altLang="en-US" sz="4000" smtClean="0"/>
+              <a:rPr lang="en-GB" altLang="en-US" sz="4000"/>
               <a:t>4. Bargaining Power of Suppliers</a:t>
             </a:r>
           </a:p>
@@ -18368,7 +18215,7 @@
           <a:lstStyle/>
           <a:p>
             <a:r>
-              <a:rPr lang="en-GB" altLang="en-US" sz="4000" smtClean="0"/>
+              <a:rPr lang="en-GB" altLang="en-US" sz="4000"/>
               <a:t>4. Bargaining Power of Suppliers</a:t>
             </a:r>
           </a:p>
@@ -18487,13 +18334,6 @@
   <p:clrMapOvr>
     <a:masterClrMapping/>
   </p:clrMapOvr>
-  <p:timing>
-    <p:tnLst>
-      <p:par>
-        <p:cTn id="1" dur="indefinite" restart="never" nodeType="tmRoot"/>
-      </p:par>
-    </p:tnLst>
-  </p:timing>
 </p:sld>
 </file>
 
@@ -18535,44 +18375,44 @@
           <a:lstStyle/>
           <a:p>
             <a:r>
-              <a:rPr lang="en-US" altLang="en-US" smtClean="0"/>
+              <a:rPr lang="en-US" altLang="en-US"/>
               <a:t>When assessing buyer power, you have to ask yourself how easy it is for the customers to bring prices down. This depends on the following factors:</a:t>
             </a:r>
-            <a:endParaRPr lang="en-GB" altLang="en-US" smtClean="0"/>
+            <a:endParaRPr lang="en-GB" altLang="en-US"/>
           </a:p>
           <a:p>
             <a:pPr lvl="1"/>
             <a:r>
-              <a:rPr lang="en-US" altLang="en-US" smtClean="0"/>
+              <a:rPr lang="en-US" altLang="en-US"/>
               <a:t>The number of buyers</a:t>
             </a:r>
-            <a:endParaRPr lang="en-GB" altLang="en-US" smtClean="0"/>
+            <a:endParaRPr lang="en-GB" altLang="en-US"/>
           </a:p>
           <a:p>
             <a:pPr lvl="1"/>
             <a:r>
-              <a:rPr lang="en-US" altLang="en-US" smtClean="0"/>
+              <a:rPr lang="en-US" altLang="en-US"/>
               <a:t>The importance of each customer to a business</a:t>
             </a:r>
-            <a:endParaRPr lang="en-GB" altLang="en-US" smtClean="0"/>
+            <a:endParaRPr lang="en-GB" altLang="en-US"/>
           </a:p>
           <a:p>
             <a:pPr lvl="1"/>
             <a:r>
-              <a:rPr lang="en-US" altLang="en-US" smtClean="0"/>
+              <a:rPr lang="en-US" altLang="en-US"/>
               <a:t>The cost to consumers switching from your offering to products and services by another company.</a:t>
             </a:r>
-            <a:endParaRPr lang="en-GB" altLang="en-US" smtClean="0"/>
-          </a:p>
-          <a:p>
-            <a:r>
-              <a:rPr lang="en-US" altLang="en-US" smtClean="0"/>
+            <a:endParaRPr lang="en-GB" altLang="en-US"/>
+          </a:p>
+          <a:p>
+            <a:r>
+              <a:rPr lang="en-US" altLang="en-US"/>
               <a:t>If you handle only some powerful purchasers, they often dictate the terms to you.</a:t>
             </a:r>
-            <a:endParaRPr lang="en-GB" altLang="en-US" smtClean="0"/>
-          </a:p>
-          <a:p>
-            <a:endParaRPr lang="en-GB" altLang="en-US" smtClean="0"/>
+            <a:endParaRPr lang="en-GB" altLang="en-US"/>
+          </a:p>
+          <a:p>
+            <a:endParaRPr lang="en-GB" altLang="en-US"/>
           </a:p>
         </p:txBody>
       </p:sp>
@@ -18597,7 +18437,7 @@
           <a:lstStyle/>
           <a:p>
             <a:r>
-              <a:rPr lang="en-GB" altLang="en-US" sz="4000" smtClean="0"/>
+              <a:rPr lang="en-GB" altLang="en-US" sz="4000"/>
               <a:t>5. Bargaining Power of Buyers</a:t>
             </a:r>
           </a:p>
@@ -18873,7 +18713,7 @@
           <a:lstStyle/>
           <a:p>
             <a:r>
-              <a:rPr lang="en-GB" altLang="en-US" sz="4000" smtClean="0"/>
+              <a:rPr lang="en-GB" altLang="en-US" sz="4000"/>
               <a:t>5. Bargaining Power of Buyers</a:t>
             </a:r>
           </a:p>
@@ -18992,13 +18832,6 @@
   <p:clrMapOvr>
     <a:masterClrMapping/>
   </p:clrMapOvr>
-  <p:timing>
-    <p:tnLst>
-      <p:par>
-        <p:cTn id="1" dur="indefinite" restart="never" nodeType="tmRoot"/>
-      </p:par>
-    </p:tnLst>
-  </p:timing>
 </p:sld>
 </file>
 
@@ -19040,7 +18873,7 @@
           <a:lstStyle/>
           <a:p>
             <a:r>
-              <a:rPr lang="en-GB" altLang="en-US" sz="3600" smtClean="0"/>
+              <a:rPr lang="en-GB" altLang="en-US" sz="3600"/>
               <a:t>Examples of Where the Power Lies in Different Markets</a:t>
             </a:r>
           </a:p>
@@ -19105,13 +18938,6 @@
   <p:clrMapOvr>
     <a:masterClrMapping/>
   </p:clrMapOvr>
-  <p:timing>
-    <p:tnLst>
-      <p:par>
-        <p:cTn id="1" dur="indefinite" restart="never" nodeType="tmRoot"/>
-      </p:par>
-    </p:tnLst>
-  </p:timing>
 </p:sld>
 </file>
 
@@ -19154,7 +18980,7 @@
           <a:p>
             <a:pPr eaLnBrk="1" hangingPunct="1"/>
             <a:r>
-              <a:rPr lang="en-GB" altLang="en-US" sz="3600" smtClean="0"/>
+              <a:rPr lang="en-GB" altLang="en-US" sz="3600"/>
               <a:t>Understanding the Environmental Factors in Strategic Planning</a:t>
             </a:r>
           </a:p>
@@ -19436,7 +19262,7 @@
           <a:lstStyle/>
           <a:p>
             <a:r>
-              <a:rPr lang="en-GB" altLang="en-US" smtClean="0"/>
+              <a:rPr lang="en-GB" altLang="en-US"/>
               <a:t>Porter’s 5 Forces …</a:t>
             </a:r>
           </a:p>
@@ -19468,7 +19294,7 @@
               <a:defRPr/>
             </a:pPr>
             <a:r>
-              <a:rPr lang="en-US" sz="4000" b="1" i="1" dirty="0" smtClean="0">
+              <a:rPr lang="en-US" sz="4000" b="1" i="1" dirty="0">
                 <a:solidFill>
                   <a:schemeClr val="tx1"/>
                 </a:solidFill>
@@ -19477,7 +19303,7 @@
               <a:t>As rivalry among competing firms </a:t>
             </a:r>
             <a:r>
-              <a:rPr lang="en-US" sz="4000" b="1" i="1" dirty="0" smtClean="0">
+              <a:rPr lang="en-US" sz="4000" b="1" i="1" dirty="0">
                 <a:solidFill>
                   <a:srgbClr val="C00000"/>
                 </a:solidFill>
@@ -19491,7 +19317,7 @@
               <a:t>intensifies</a:t>
             </a:r>
             <a:r>
-              <a:rPr lang="en-US" sz="4000" b="1" i="1" dirty="0" smtClean="0">
+              <a:rPr lang="en-US" sz="4000" b="1" i="1" dirty="0">
                 <a:solidFill>
                   <a:schemeClr val="tx1"/>
                 </a:solidFill>
@@ -19500,7 +19326,7 @@
               <a:t>, industry profits </a:t>
             </a:r>
             <a:r>
-              <a:rPr lang="en-US" sz="4000" b="1" i="1" dirty="0" smtClean="0">
+              <a:rPr lang="en-US" sz="4000" b="1" i="1" dirty="0">
                 <a:solidFill>
                   <a:srgbClr val="C00000"/>
                 </a:solidFill>
@@ -19514,7 +19340,7 @@
               <a:t>decline</a:t>
             </a:r>
             <a:r>
-              <a:rPr lang="en-US" sz="4000" b="1" i="1" dirty="0" smtClean="0">
+              <a:rPr lang="en-US" sz="4000" b="1" i="1" dirty="0">
                 <a:solidFill>
                   <a:schemeClr val="tx1"/>
                 </a:solidFill>
@@ -19523,7 +19349,7 @@
               <a:t>, in some cases to the point where an industry becomes </a:t>
             </a:r>
             <a:r>
-              <a:rPr lang="en-US" sz="4000" b="1" i="1" dirty="0" smtClean="0">
+              <a:rPr lang="en-US" sz="4000" b="1" i="1" dirty="0">
                 <a:solidFill>
                   <a:srgbClr val="C00000"/>
                 </a:solidFill>
@@ -19537,7 +19363,7 @@
               <a:t>inherently unattractive</a:t>
             </a:r>
             <a:r>
-              <a:rPr lang="en-US" sz="4000" b="1" i="1" dirty="0" smtClean="0">
+              <a:rPr lang="en-US" sz="4000" b="1" i="1" dirty="0">
                 <a:solidFill>
                   <a:schemeClr val="tx1"/>
                 </a:solidFill>
@@ -19561,13 +19387,6 @@
   <p:clrMapOvr>
     <a:masterClrMapping/>
   </p:clrMapOvr>
-  <p:timing>
-    <p:tnLst>
-      <p:par>
-        <p:cTn id="1" dur="indefinite" restart="never" nodeType="tmRoot"/>
-      </p:par>
-    </p:tnLst>
-  </p:timing>
 </p:sld>
 </file>
 
@@ -19609,7 +19428,7 @@
           <a:lstStyle/>
           <a:p>
             <a:r>
-              <a:rPr lang="en-GB" altLang="en-US" smtClean="0"/>
+              <a:rPr lang="en-GB" altLang="en-US"/>
               <a:t>Using Porter’s 5F</a:t>
             </a:r>
           </a:p>
@@ -19637,33 +19456,33 @@
           <a:p>
             <a:pPr eaLnBrk="1" hangingPunct="1"/>
             <a:r>
-              <a:rPr lang="en-GB" altLang="en-US" smtClean="0"/>
+              <a:rPr lang="en-GB" altLang="en-US"/>
               <a:t>An e-Commerce organisation can use the model to assess:</a:t>
             </a:r>
           </a:p>
           <a:p>
             <a:pPr lvl="1" eaLnBrk="1" hangingPunct="1"/>
             <a:r>
-              <a:rPr lang="en-GB" altLang="en-US" smtClean="0"/>
+              <a:rPr lang="en-GB" altLang="en-US"/>
               <a:t>the current situation;</a:t>
             </a:r>
           </a:p>
           <a:p>
             <a:pPr lvl="1" eaLnBrk="1" hangingPunct="1"/>
             <a:r>
-              <a:rPr lang="en-GB" altLang="en-US" smtClean="0"/>
+              <a:rPr lang="en-GB" altLang="en-US"/>
               <a:t>the opportunities;</a:t>
             </a:r>
           </a:p>
           <a:p>
             <a:pPr lvl="1" eaLnBrk="1" hangingPunct="1"/>
             <a:r>
-              <a:rPr lang="en-GB" altLang="en-US" smtClean="0"/>
+              <a:rPr lang="en-GB" altLang="en-US"/>
               <a:t>the threats.</a:t>
             </a:r>
           </a:p>
           <a:p>
-            <a:endParaRPr lang="en-GB" altLang="en-US" smtClean="0"/>
+            <a:endParaRPr lang="en-GB" altLang="en-US"/>
           </a:p>
         </p:txBody>
       </p:sp>
@@ -19672,13 +19491,6 @@
   <p:clrMapOvr>
     <a:masterClrMapping/>
   </p:clrMapOvr>
-  <p:timing>
-    <p:tnLst>
-      <p:par>
-        <p:cTn id="1" dur="indefinite" restart="never" nodeType="tmRoot"/>
-      </p:par>
-    </p:tnLst>
-  </p:timing>
 </p:sld>
 </file>
 
@@ -19720,7 +19532,7 @@
           <a:lstStyle/>
           <a:p>
             <a:r>
-              <a:rPr lang="en-GB" altLang="en-US" smtClean="0"/>
+              <a:rPr lang="en-GB" altLang="en-US"/>
               <a:t>Using Porter’s 5F</a:t>
             </a:r>
           </a:p>
@@ -19748,54 +19560,54 @@
           <a:p>
             <a:pPr eaLnBrk="1" hangingPunct="1"/>
             <a:r>
-              <a:rPr lang="en-GB" altLang="en-US" smtClean="0"/>
+              <a:rPr lang="en-GB" altLang="en-US"/>
               <a:t>Fighting off the threats:</a:t>
             </a:r>
           </a:p>
           <a:p>
             <a:pPr lvl="1" eaLnBrk="1" hangingPunct="1"/>
             <a:r>
-              <a:rPr lang="en-GB" altLang="en-US" smtClean="0"/>
+              <a:rPr lang="en-GB" altLang="en-US"/>
               <a:t>beat existing competitors, make them less viable;</a:t>
             </a:r>
           </a:p>
           <a:p>
             <a:pPr lvl="1" eaLnBrk="1" hangingPunct="1"/>
             <a:r>
-              <a:rPr lang="en-GB" altLang="en-US" smtClean="0"/>
+              <a:rPr lang="en-GB" altLang="en-US"/>
               <a:t>build barriers against new entrants;</a:t>
             </a:r>
           </a:p>
           <a:p>
             <a:pPr lvl="1" eaLnBrk="1" hangingPunct="1"/>
             <a:r>
-              <a:rPr lang="en-GB" altLang="en-US" smtClean="0"/>
+              <a:rPr lang="en-GB" altLang="en-US"/>
               <a:t>build barriers against substitute products or services;</a:t>
             </a:r>
           </a:p>
           <a:p>
             <a:pPr lvl="1" eaLnBrk="1" hangingPunct="1"/>
             <a:r>
-              <a:rPr lang="en-GB" altLang="en-US" smtClean="0"/>
+              <a:rPr lang="en-GB" altLang="en-US"/>
               <a:t>reduce suppliers’ bargaining powers;</a:t>
             </a:r>
           </a:p>
           <a:p>
             <a:pPr lvl="1" eaLnBrk="1" hangingPunct="1"/>
             <a:r>
-              <a:rPr lang="en-GB" altLang="en-US" smtClean="0"/>
+              <a:rPr lang="en-GB" altLang="en-US"/>
               <a:t>reduce customers’ bargaining powers.</a:t>
             </a:r>
           </a:p>
           <a:p>
             <a:pPr eaLnBrk="1" hangingPunct="1"/>
             <a:r>
-              <a:rPr lang="en-GB" altLang="en-US" smtClean="0"/>
+              <a:rPr lang="en-GB" altLang="en-US"/>
               <a:t>(This is a rather negative outlook.)</a:t>
             </a:r>
           </a:p>
           <a:p>
-            <a:endParaRPr lang="en-GB" altLang="en-US" smtClean="0"/>
+            <a:endParaRPr lang="en-GB" altLang="en-US"/>
           </a:p>
         </p:txBody>
       </p:sp>
@@ -19804,13 +19616,6 @@
   <p:clrMapOvr>
     <a:masterClrMapping/>
   </p:clrMapOvr>
-  <p:timing>
-    <p:tnLst>
-      <p:par>
-        <p:cTn id="1" dur="indefinite" restart="never" nodeType="tmRoot"/>
-      </p:par>
-    </p:tnLst>
-  </p:timing>
 </p:sld>
 </file>
 
@@ -19852,7 +19657,7 @@
           <a:lstStyle/>
           <a:p>
             <a:r>
-              <a:rPr lang="en-GB" altLang="en-US" smtClean="0"/>
+              <a:rPr lang="en-GB" altLang="en-US"/>
               <a:t>Using Porter’s 5F</a:t>
             </a:r>
           </a:p>
@@ -19884,7 +19689,7 @@
               </a:lnSpc>
             </a:pPr>
             <a:r>
-              <a:rPr lang="en-GB" altLang="en-US" smtClean="0"/>
+              <a:rPr lang="en-GB" altLang="en-US"/>
               <a:t>Taking advantage of opportunities:</a:t>
             </a:r>
           </a:p>
@@ -19895,7 +19700,7 @@
               </a:lnSpc>
             </a:pPr>
             <a:r>
-              <a:rPr lang="en-GB" altLang="en-US" smtClean="0"/>
+              <a:rPr lang="en-GB" altLang="en-US"/>
               <a:t>out-perform existing competitors on cost and quality;</a:t>
             </a:r>
           </a:p>
@@ -19906,7 +19711,7 @@
               </a:lnSpc>
             </a:pPr>
             <a:r>
-              <a:rPr lang="en-GB" altLang="en-US" smtClean="0"/>
+              <a:rPr lang="en-GB" altLang="en-US"/>
               <a:t>excel at what you do so customers don’t seek new entrants;</a:t>
             </a:r>
           </a:p>
@@ -19917,7 +19722,7 @@
               </a:lnSpc>
             </a:pPr>
             <a:r>
-              <a:rPr lang="en-GB" altLang="en-US" smtClean="0"/>
+              <a:rPr lang="en-GB" altLang="en-US"/>
               <a:t>produce new and better products or services;</a:t>
             </a:r>
           </a:p>
@@ -19928,7 +19733,7 @@
               </a:lnSpc>
             </a:pPr>
             <a:r>
-              <a:rPr lang="en-GB" altLang="en-US" smtClean="0"/>
+              <a:rPr lang="en-GB" altLang="en-US"/>
               <a:t>improve relationships with suppliers;</a:t>
             </a:r>
           </a:p>
@@ -19939,7 +19744,7 @@
               </a:lnSpc>
             </a:pPr>
             <a:r>
-              <a:rPr lang="en-GB" altLang="en-US" smtClean="0"/>
+              <a:rPr lang="en-GB" altLang="en-US"/>
               <a:t>improve relationships and standards of service with customers.</a:t>
             </a:r>
           </a:p>
@@ -19950,13 +19755,6 @@
   <p:clrMapOvr>
     <a:masterClrMapping/>
   </p:clrMapOvr>
-  <p:timing>
-    <p:tnLst>
-      <p:par>
-        <p:cTn id="1" dur="indefinite" restart="never" nodeType="tmRoot"/>
-      </p:par>
-    </p:tnLst>
-  </p:timing>
 </p:sld>
 </file>
 
@@ -19999,7 +19797,7 @@
           <a:p>
             <a:pPr eaLnBrk="1" hangingPunct="1"/>
             <a:r>
-              <a:rPr lang="en-GB" altLang="en-US" smtClean="0"/>
+              <a:rPr lang="en-GB" altLang="en-US"/>
               <a:t>Summary</a:t>
             </a:r>
           </a:p>
@@ -20027,32 +19825,32 @@
           <a:p>
             <a:pPr eaLnBrk="1" hangingPunct="1"/>
             <a:r>
-              <a:rPr lang="en-GB" altLang="en-US" smtClean="0"/>
+              <a:rPr lang="en-GB" altLang="en-US"/>
               <a:t>Defining the VISION &amp; Mission Statement is essential.</a:t>
             </a:r>
           </a:p>
           <a:p>
             <a:pPr lvl="1" eaLnBrk="1" hangingPunct="1"/>
             <a:r>
-              <a:rPr lang="en-GB" altLang="en-US" smtClean="0"/>
+              <a:rPr lang="en-GB" altLang="en-US"/>
               <a:t>We’ll take a look at some of these in tutorials &amp; Coursework</a:t>
             </a:r>
           </a:p>
           <a:p>
             <a:pPr eaLnBrk="1" hangingPunct="1"/>
             <a:r>
-              <a:rPr lang="en-GB" altLang="en-US" smtClean="0"/>
+              <a:rPr lang="en-GB" altLang="en-US"/>
               <a:t>Vision is the goal and the Strategy is the plan to get there.</a:t>
             </a:r>
           </a:p>
           <a:p>
             <a:pPr eaLnBrk="1" hangingPunct="1"/>
             <a:r>
-              <a:rPr lang="en-GB" altLang="en-US" smtClean="0"/>
+              <a:rPr lang="en-GB" altLang="en-US"/>
               <a:t>Understanding the Environmental Issues allows us to analyse the </a:t>
             </a:r>
             <a:r>
-              <a:rPr lang="en-GB" altLang="en-US" b="1" i="1" smtClean="0">
+              <a:rPr lang="en-GB" altLang="en-US" b="1" i="1">
                 <a:solidFill>
                   <a:srgbClr val="C00000"/>
                 </a:solidFill>
@@ -20060,7 +19858,7 @@
               <a:t>attractiveness</a:t>
             </a:r>
             <a:r>
-              <a:rPr lang="en-GB" altLang="en-US" smtClean="0">
+              <a:rPr lang="en-GB" altLang="en-US">
                 <a:solidFill>
                   <a:srgbClr val="C00000"/>
                 </a:solidFill>
@@ -20068,11 +19866,11 @@
               <a:t> </a:t>
             </a:r>
             <a:r>
-              <a:rPr lang="en-GB" altLang="en-US" smtClean="0"/>
+              <a:rPr lang="en-GB" altLang="en-US"/>
               <a:t>and </a:t>
             </a:r>
             <a:r>
-              <a:rPr lang="en-GB" altLang="en-US" b="1" i="1" smtClean="0">
+              <a:rPr lang="en-GB" altLang="en-US" b="1" i="1">
                 <a:solidFill>
                   <a:srgbClr val="C00000"/>
                 </a:solidFill>
@@ -20080,21 +19878,21 @@
               <a:t>potential profitability </a:t>
             </a:r>
             <a:r>
-              <a:rPr lang="en-GB" altLang="en-US" smtClean="0"/>
+              <a:rPr lang="en-GB" altLang="en-US"/>
               <a:t>of an industry.</a:t>
             </a:r>
           </a:p>
           <a:p>
             <a:pPr lvl="1" eaLnBrk="1" hangingPunct="1"/>
             <a:r>
-              <a:rPr lang="en-GB" altLang="en-US" smtClean="0"/>
+              <a:rPr lang="en-GB" altLang="en-US"/>
               <a:t>Porter’s Five Forces.</a:t>
             </a:r>
           </a:p>
           <a:p>
             <a:pPr lvl="1" eaLnBrk="1" hangingPunct="1"/>
             <a:r>
-              <a:rPr lang="en-GB" altLang="en-US" smtClean="0"/>
+              <a:rPr lang="en-GB" altLang="en-US"/>
               <a:t>We’ll apply this in tutorials &amp; Coursework 1.</a:t>
             </a:r>
           </a:p>
@@ -20630,13 +20428,6 @@
   <p:clrMapOvr>
     <a:masterClrMapping/>
   </p:clrMapOvr>
-  <p:timing>
-    <p:tnLst>
-      <p:par>
-        <p:cTn id="1" dur="indefinite" restart="never" nodeType="tmRoot"/>
-      </p:par>
-    </p:tnLst>
-  </p:timing>
 </p:sld>
 </file>
 
@@ -20679,7 +20470,7 @@
           <a:p>
             <a:pPr eaLnBrk="1" hangingPunct="1"/>
             <a:r>
-              <a:rPr lang="en-GB" altLang="en-US" sz="4400" smtClean="0"/>
+              <a:rPr lang="en-GB" altLang="en-US" sz="4400"/>
               <a:t>Internal &amp; External Environment</a:t>
             </a:r>
           </a:p>
@@ -20707,20 +20498,20 @@
           <a:p>
             <a:pPr eaLnBrk="1" hangingPunct="1"/>
             <a:r>
-              <a:rPr lang="en-GB" altLang="en-US" sz="2000" smtClean="0"/>
+              <a:rPr lang="en-GB" altLang="en-US" sz="2000"/>
               <a:t>All businesses have an internal and external environment. The internal environment is very much associated with the human resource of the business or organisation, and the manner in which people undertake work in accordance with the mission of the organisation. To some extent, the internal environment is controllable and changeable through planning and management processes.</a:t>
             </a:r>
           </a:p>
           <a:p>
             <a:pPr eaLnBrk="1" hangingPunct="1"/>
             <a:r>
-              <a:rPr lang="en-GB" altLang="en-US" sz="2000" smtClean="0"/>
+              <a:rPr lang="en-GB" altLang="en-US" sz="2000"/>
               <a:t>The external environment, on the other hand is not controllable. The managers of a business have no control over business competitors, or changes to law, or general economic conditions. However the managers of a business or organisation do have some measure of control as to how the business reacts to changes in its external environment.</a:t>
             </a:r>
           </a:p>
           <a:p>
             <a:pPr eaLnBrk="1" hangingPunct="1"/>
-            <a:endParaRPr lang="en-GB" altLang="en-US" sz="2000" smtClean="0"/>
+            <a:endParaRPr lang="en-GB" altLang="en-US" sz="2000"/>
           </a:p>
         </p:txBody>
       </p:sp>
@@ -20926,7 +20717,7 @@
           <a:p>
             <a:pPr eaLnBrk="1" hangingPunct="1"/>
             <a:r>
-              <a:rPr lang="en-GB" altLang="en-US" smtClean="0"/>
+              <a:rPr lang="en-GB" altLang="en-US"/>
               <a:t>Strategy Initiation</a:t>
             </a:r>
           </a:p>
@@ -20954,49 +20745,57 @@
           <a:p>
             <a:pPr eaLnBrk="1" hangingPunct="1"/>
             <a:r>
-              <a:rPr lang="en-GB" altLang="en-US" sz="2800" smtClean="0"/>
+              <a:rPr lang="en-GB" altLang="en-US" sz="2800" dirty="0"/>
               <a:t>The initiation stage of our Strategic Planning Model has three parts:</a:t>
             </a:r>
           </a:p>
           <a:p>
             <a:pPr lvl="1" eaLnBrk="1" hangingPunct="1"/>
             <a:r>
-              <a:rPr lang="en-GB" altLang="en-US" sz="2400" smtClean="0"/>
+              <a:rPr lang="en-GB" altLang="en-US" sz="2400" dirty="0"/>
               <a:t>Defining the Vision.</a:t>
             </a:r>
           </a:p>
           <a:p>
             <a:pPr lvl="1" eaLnBrk="1" hangingPunct="1"/>
             <a:r>
-              <a:rPr lang="en-GB" altLang="en-US" sz="2400" smtClean="0"/>
+              <a:rPr lang="en-GB" altLang="en-US" sz="2400" dirty="0"/>
               <a:t>Environmental Analysis</a:t>
             </a:r>
           </a:p>
           <a:p>
             <a:pPr lvl="2" eaLnBrk="1" hangingPunct="1"/>
             <a:r>
-              <a:rPr lang="en-GB" altLang="en-US" smtClean="0"/>
-              <a:t>Porter’s Five Forces;</a:t>
+              <a:rPr lang="en-GB" altLang="en-US" dirty="0">
+                <a:highlight>
+                  <a:srgbClr val="FFFF00"/>
+                </a:highlight>
+              </a:rPr>
+              <a:t>Porter’s Five Forces</a:t>
+            </a:r>
+            <a:r>
+              <a:rPr lang="en-GB" altLang="en-US" dirty="0"/>
+              <a:t>;</a:t>
             </a:r>
           </a:p>
           <a:p>
             <a:pPr lvl="2" eaLnBrk="1" hangingPunct="1"/>
             <a:r>
-              <a:rPr lang="en-GB" altLang="en-US" smtClean="0"/>
+              <a:rPr lang="en-GB" altLang="en-US" dirty="0"/>
               <a:t>PEST Analysis;</a:t>
             </a:r>
           </a:p>
           <a:p>
             <a:pPr lvl="2" eaLnBrk="1" hangingPunct="1"/>
             <a:r>
-              <a:rPr lang="en-GB" altLang="en-US" smtClean="0"/>
+              <a:rPr lang="en-GB" altLang="en-US" dirty="0"/>
               <a:t>Other Approaches, e.g. SWOT, etc.</a:t>
             </a:r>
           </a:p>
           <a:p>
             <a:pPr lvl="1" eaLnBrk="1" hangingPunct="1"/>
             <a:r>
-              <a:rPr lang="en-GB" altLang="en-US" sz="2400" smtClean="0"/>
+              <a:rPr lang="en-GB" altLang="en-US" sz="2400" dirty="0"/>
               <a:t>Capability Analysis.</a:t>
             </a:r>
           </a:p>
@@ -23235,7 +23034,7 @@
           <a:lstStyle/>
           <a:p>
             <a:r>
-              <a:rPr lang="en-GB" altLang="en-US" sz="4000" smtClean="0"/>
+              <a:rPr lang="en-GB" altLang="en-US" sz="4000"/>
               <a:t>Vision and Environmental Analysis</a:t>
             </a:r>
           </a:p>
@@ -23263,39 +23062,39 @@
           <a:p>
             <a:pPr eaLnBrk="1" hangingPunct="1"/>
             <a:r>
-              <a:rPr lang="en-GB" altLang="en-US" sz="2800" smtClean="0"/>
+              <a:rPr lang="en-GB" altLang="en-US" sz="2800"/>
               <a:t>The start of a strategic plan is to decide what you want to do, and what people/situations around you require.</a:t>
             </a:r>
           </a:p>
           <a:p>
             <a:pPr eaLnBrk="1" hangingPunct="1"/>
             <a:r>
-              <a:rPr lang="en-GB" altLang="en-US" sz="2800" smtClean="0"/>
+              <a:rPr lang="en-GB" altLang="en-US" sz="2800"/>
               <a:t>In this lecture we shall</a:t>
             </a:r>
           </a:p>
           <a:p>
             <a:pPr lvl="1" eaLnBrk="1" hangingPunct="1"/>
             <a:r>
-              <a:rPr lang="en-GB" altLang="en-US" sz="2400" smtClean="0"/>
+              <a:rPr lang="en-GB" altLang="en-US" sz="2400"/>
               <a:t>consider the importance of defining the vision;</a:t>
             </a:r>
           </a:p>
           <a:p>
             <a:pPr lvl="1" eaLnBrk="1" hangingPunct="1"/>
             <a:r>
-              <a:rPr lang="en-GB" altLang="en-US" sz="2400" smtClean="0"/>
+              <a:rPr lang="en-GB" altLang="en-US" sz="2400"/>
               <a:t>examine some environmental analysis techniques;</a:t>
             </a:r>
           </a:p>
           <a:p>
             <a:pPr lvl="1" eaLnBrk="1" hangingPunct="1"/>
             <a:r>
-              <a:rPr lang="en-GB" altLang="en-US" sz="2400" smtClean="0"/>
+              <a:rPr lang="en-GB" altLang="en-US" sz="2400"/>
               <a:t>critically appraise the value of e-Commerce to buyers.  </a:t>
             </a:r>
             <a:r>
-              <a:rPr lang="en-GB" altLang="en-US" sz="1800" smtClean="0"/>
+              <a:rPr lang="en-GB" altLang="en-US" sz="1800"/>
               <a:t>(… finishing next week).</a:t>
             </a:r>
           </a:p>
@@ -24379,13 +24178,6 @@
   <p:clrMapOvr>
     <a:masterClrMapping/>
   </p:clrMapOvr>
-  <p:timing>
-    <p:tnLst>
-      <p:par>
-        <p:cTn id="1" dur="indefinite" restart="never" nodeType="tmRoot"/>
-      </p:par>
-    </p:tnLst>
-  </p:timing>
 </p:sld>
 </file>
 
@@ -24427,55 +24219,55 @@
           <a:lstStyle/>
           <a:p>
             <a:r>
-              <a:rPr lang="en-GB" altLang="en-US" smtClean="0"/>
+              <a:rPr lang="en-GB" altLang="en-US"/>
               <a:t>The Vision of a company is the way that it views its products, its markets, its customers and itself.</a:t>
             </a:r>
           </a:p>
           <a:p>
             <a:r>
-              <a:rPr lang="en-GB" altLang="en-US" smtClean="0"/>
+              <a:rPr lang="en-GB" altLang="en-US"/>
               <a:t>The Vision defines what it wants to achieve and accomplish.</a:t>
             </a:r>
           </a:p>
           <a:p>
             <a:r>
-              <a:rPr lang="en-GB" altLang="en-US" smtClean="0"/>
+              <a:rPr lang="en-GB" altLang="en-US"/>
               <a:t>The Vision describes and communicates the future of the organisation:</a:t>
             </a:r>
           </a:p>
           <a:p>
             <a:pPr lvl="1" eaLnBrk="1" hangingPunct="1"/>
             <a:r>
-              <a:rPr lang="en-GB" altLang="en-US" smtClean="0"/>
+              <a:rPr lang="en-GB" altLang="en-US"/>
               <a:t>profit;</a:t>
             </a:r>
           </a:p>
           <a:p>
             <a:pPr lvl="1" eaLnBrk="1" hangingPunct="1"/>
             <a:r>
-              <a:rPr lang="en-GB" altLang="en-US" smtClean="0"/>
+              <a:rPr lang="en-GB" altLang="en-US"/>
               <a:t>market dominance;</a:t>
             </a:r>
           </a:p>
           <a:p>
             <a:pPr lvl="1" eaLnBrk="1" hangingPunct="1"/>
             <a:r>
-              <a:rPr lang="en-GB" altLang="en-US" smtClean="0"/>
+              <a:rPr lang="en-GB" altLang="en-US"/>
               <a:t>“breaking the mould”.</a:t>
             </a:r>
           </a:p>
           <a:p>
             <a:pPr eaLnBrk="1" hangingPunct="1"/>
             <a:r>
-              <a:rPr lang="en-GB" altLang="en-US" smtClean="0"/>
+              <a:rPr lang="en-GB" altLang="en-US"/>
               <a:t>Why is it important to define the Vision?</a:t>
             </a:r>
           </a:p>
           <a:p>
-            <a:endParaRPr lang="en-GB" altLang="en-US" smtClean="0"/>
-          </a:p>
-          <a:p>
-            <a:endParaRPr lang="en-GB" altLang="en-US" smtClean="0"/>
+            <a:endParaRPr lang="en-GB" altLang="en-US"/>
+          </a:p>
+          <a:p>
+            <a:endParaRPr lang="en-GB" altLang="en-US"/>
           </a:p>
         </p:txBody>
       </p:sp>
@@ -24500,7 +24292,7 @@
           <a:lstStyle/>
           <a:p>
             <a:r>
-              <a:rPr lang="en-GB" altLang="en-US" b="1" smtClean="0"/>
+              <a:rPr lang="en-GB" altLang="en-US" b="1"/>
               <a:t>VISION</a:t>
             </a:r>
           </a:p>
@@ -27751,7 +27543,7 @@
           <a:lstStyle/>
           <a:p>
             <a:r>
-              <a:rPr lang="en-GB" altLang="en-US" smtClean="0"/>
+              <a:rPr lang="en-GB" altLang="en-US"/>
               <a:t>Importance of VISION?</a:t>
             </a:r>
           </a:p>
@@ -27778,64 +27570,64 @@
           <a:lstStyle/>
           <a:p>
             <a:r>
-              <a:rPr lang="en-GB" altLang="en-US" smtClean="0"/>
+              <a:rPr lang="en-GB" altLang="en-US"/>
               <a:t>The Vision answers the simple question </a:t>
             </a:r>
           </a:p>
           <a:p>
             <a:pPr lvl="1"/>
             <a:r>
-              <a:rPr lang="en-GB" altLang="en-US" smtClean="0"/>
+              <a:rPr lang="en-GB" altLang="en-US"/>
               <a:t>"Why are we here? (as a business)".  </a:t>
             </a:r>
           </a:p>
           <a:p>
             <a:r>
-              <a:rPr lang="en-GB" altLang="en-US" smtClean="0"/>
+              <a:rPr lang="en-GB" altLang="en-US"/>
               <a:t>The Vision is the Goal.  </a:t>
             </a:r>
           </a:p>
           <a:p>
             <a:pPr lvl="1"/>
             <a:r>
-              <a:rPr lang="en-GB" altLang="en-US" smtClean="0"/>
+              <a:rPr lang="en-GB" altLang="en-US"/>
               <a:t>It is not the same as a strategy;</a:t>
             </a:r>
             <a:r>
-              <a:rPr lang="en-GB" altLang="en-US" b="1" smtClean="0"/>
+              <a:rPr lang="en-GB" altLang="en-US" b="1"/>
               <a:t> </a:t>
             </a:r>
           </a:p>
           <a:p>
             <a:pPr lvl="1"/>
             <a:r>
-              <a:rPr lang="en-GB" altLang="en-US" smtClean="0"/>
+              <a:rPr lang="en-GB" altLang="en-US"/>
               <a:t>Business strategy tells you how a company is going to achieve (or maintain) its Vision.  </a:t>
             </a:r>
           </a:p>
           <a:p>
             <a:pPr lvl="2"/>
             <a:r>
-              <a:rPr lang="en-GB" altLang="en-US" smtClean="0"/>
+              <a:rPr lang="en-GB" altLang="en-US"/>
               <a:t>The strategy is a plan, </a:t>
             </a:r>
           </a:p>
           <a:p>
             <a:pPr lvl="2"/>
             <a:r>
-              <a:rPr lang="en-GB" altLang="en-US" smtClean="0"/>
+              <a:rPr lang="en-GB" altLang="en-US"/>
               <a:t>The tactics are how the plan will be executed, and </a:t>
             </a:r>
           </a:p>
           <a:p>
             <a:pPr lvl="2"/>
             <a:r>
-              <a:rPr lang="en-GB" altLang="en-US" smtClean="0"/>
+              <a:rPr lang="en-GB" altLang="en-US"/>
               <a:t>The Vision is the end-result.</a:t>
             </a:r>
           </a:p>
           <a:p>
-            <a:endParaRPr lang="en-GB" altLang="en-US" smtClean="0"/>
+            <a:endParaRPr lang="en-GB" altLang="en-US"/>
           </a:p>
         </p:txBody>
       </p:sp>
